--- a/pt_ppt.pptx
+++ b/pt_ppt.pptx
@@ -4199,8 +4199,23 @@
           <a:p>
             <a:r>
               <a:rPr lang="en-US" sz="2000" dirty="0"/>
-              <a:t>Because of this if difficult for  </a:t>
-            </a:r>
+              <a:t>Because of this if difficult for the user to keep track of there deposits and investments.</a:t>
+            </a:r>
+          </a:p>
+          <a:p>
+            <a:r>
+              <a:rPr lang="en-US" sz="2000" dirty="0"/>
+              <a:t>Atal pension yojana by government of </a:t>
+            </a:r>
+            <a:r>
+              <a:rPr lang="en-US" sz="2000" dirty="0" err="1"/>
+              <a:t>india</a:t>
+            </a:r>
+            <a:r>
+              <a:rPr lang="en-US" sz="2000"/>
+              <a:t> when s</a:t>
+            </a:r>
+            <a:endParaRPr lang="en-US" sz="2000" dirty="0"/>
           </a:p>
           <a:p>
             <a:endParaRPr lang="en-US" sz="2000" dirty="0"/>

--- a/pt_ppt.pptx
+++ b/pt_ppt.pptx
@@ -4199,7 +4199,7 @@
           <a:p>
             <a:r>
               <a:rPr lang="en-US" sz="2000" dirty="0"/>
-              <a:t>Because of this if difficult for the user to keep track of there deposits and investments.</a:t>
+              <a:t>Because of this it is difficult for the user to keep track of there deposits and investments.</a:t>
             </a:r>
           </a:p>
           <a:p>
@@ -4212,10 +4212,9 @@
               <a:t>india</a:t>
             </a:r>
             <a:r>
-              <a:rPr lang="en-US" sz="2000"/>
-              <a:t> when s</a:t>
-            </a:r>
-            <a:endParaRPr lang="en-US" sz="2000" dirty="0"/>
+              <a:rPr lang="en-US" sz="2000" dirty="0"/>
+              <a:t>.</a:t>
+            </a:r>
           </a:p>
           <a:p>
             <a:endParaRPr lang="en-US" sz="2000" dirty="0"/>

--- a/pt_ppt.pptx
+++ b/pt_ppt.pptx
@@ -110,7 +110,7 @@
   </p:defaultTextStyle>
   <p:extLst>
     <p:ext uri="{EFAFB233-063F-42B5-8137-9DF3F51BA10A}">
-      <p15:sldGuideLst xmlns:p15="http://schemas.microsoft.com/office/powerpoint/2012/main"/>
+      <p15:sldGuideLst xmlns:p15="http://schemas.microsoft.com/office/powerpoint/2012/main" xmlns=""/>
     </p:ext>
   </p:extLst>
 </p:presentation>
@@ -336,7 +336,7 @@
           <p:cNvPr id="8" name="Date Placeholder 7">
             <a:extLst>
               <a:ext uri="{FF2B5EF4-FFF2-40B4-BE49-F238E27FC236}">
-                <a16:creationId xmlns:a16="http://schemas.microsoft.com/office/drawing/2014/main" id="{7FA0ACE7-29A8-47D3-A7D9-257B711D8023}"/>
+                <a16:creationId xmlns:a16="http://schemas.microsoft.com/office/drawing/2014/main" xmlns="" id="{7FA0ACE7-29A8-47D3-A7D9-257B711D8023}"/>
               </a:ext>
             </a:extLst>
           </p:cNvPr>
@@ -354,6 +354,7 @@
           <a:p>
             <a:fld id="{ED291B17-9318-49DB-B28B-6E5994AE9581}" type="datetime1">
               <a:rPr lang="en-US" smtClean="0"/>
+              <a:pPr/>
               <a:t>5/13/2020</a:t>
             </a:fld>
             <a:endParaRPr lang="en-US" dirty="0"/>
@@ -365,7 +366,7 @@
           <p:cNvPr id="9" name="Footer Placeholder 8">
             <a:extLst>
               <a:ext uri="{FF2B5EF4-FFF2-40B4-BE49-F238E27FC236}">
-                <a16:creationId xmlns:a16="http://schemas.microsoft.com/office/drawing/2014/main" id="{DEC604B9-52E9-4810-8359-47206518D038}"/>
+                <a16:creationId xmlns:a16="http://schemas.microsoft.com/office/drawing/2014/main" xmlns="" id="{DEC604B9-52E9-4810-8359-47206518D038}"/>
               </a:ext>
             </a:extLst>
           </p:cNvPr>
@@ -390,7 +391,7 @@
           <p:cNvPr id="10" name="Slide Number Placeholder 9">
             <a:extLst>
               <a:ext uri="{FF2B5EF4-FFF2-40B4-BE49-F238E27FC236}">
-                <a16:creationId xmlns:a16="http://schemas.microsoft.com/office/drawing/2014/main" id="{5898A89F-CA25-400F-B05A-AECBF2517E4F}"/>
+                <a16:creationId xmlns:a16="http://schemas.microsoft.com/office/drawing/2014/main" xmlns="" id="{5898A89F-CA25-400F-B05A-AECBF2517E4F}"/>
               </a:ext>
             </a:extLst>
           </p:cNvPr>
@@ -408,6 +409,7 @@
           <a:p>
             <a:fld id="{3A98EE3D-8CD1-4C3F-BD1C-C98C9596463C}" type="slidenum">
               <a:rPr lang="en-US" smtClean="0"/>
+              <a:pPr/>
               <a:t>‹#›</a:t>
             </a:fld>
             <a:endParaRPr lang="en-US" dirty="0"/>
@@ -417,7 +419,7 @@
     </p:spTree>
     <p:extLst>
       <p:ext uri="{BB962C8B-B14F-4D97-AF65-F5344CB8AC3E}">
-        <p14:creationId xmlns:p14="http://schemas.microsoft.com/office/powerpoint/2010/main" val="1689346634"/>
+        <p14:creationId xmlns:p14="http://schemas.microsoft.com/office/powerpoint/2010/main" xmlns="" val="1689346634"/>
       </p:ext>
     </p:extLst>
   </p:cSld>
@@ -557,6 +559,7 @@
           <a:p>
             <a:fld id="{2CED4963-E985-44C4-B8C4-FDD613B7C2F8}" type="datetime1">
               <a:rPr lang="en-US" smtClean="0"/>
+              <a:pPr/>
               <a:t>5/13/2020</a:t>
             </a:fld>
             <a:endParaRPr lang="en-US" dirty="0"/>
@@ -599,6 +602,7 @@
           <a:p>
             <a:fld id="{3A98EE3D-8CD1-4C3F-BD1C-C98C9596463C}" type="slidenum">
               <a:rPr lang="en-US" smtClean="0"/>
+              <a:pPr/>
               <a:t>‹#›</a:t>
             </a:fld>
             <a:endParaRPr lang="en-US" dirty="0"/>
@@ -608,7 +612,7 @@
     </p:spTree>
     <p:extLst>
       <p:ext uri="{BB962C8B-B14F-4D97-AF65-F5344CB8AC3E}">
-        <p14:creationId xmlns:p14="http://schemas.microsoft.com/office/powerpoint/2010/main" val="1023611765"/>
+        <p14:creationId xmlns:p14="http://schemas.microsoft.com/office/powerpoint/2010/main" xmlns="" val="1023611765"/>
       </p:ext>
     </p:extLst>
   </p:cSld>
@@ -772,7 +776,7 @@
           <p:cNvPr id="8" name="Rectangle 7">
             <a:extLst>
               <a:ext uri="{FF2B5EF4-FFF2-40B4-BE49-F238E27FC236}">
-                <a16:creationId xmlns:a16="http://schemas.microsoft.com/office/drawing/2014/main" id="{F6423B97-A5D4-47B9-8861-73B3707A04CF}"/>
+                <a16:creationId xmlns:a16="http://schemas.microsoft.com/office/drawing/2014/main" xmlns="" id="{F6423B97-A5D4-47B9-8861-73B3707A04CF}"/>
               </a:ext>
             </a:extLst>
           </p:cNvPr>
@@ -815,7 +819,7 @@
           <p:cNvPr id="9" name="Rectangle 8">
             <a:extLst>
               <a:ext uri="{FF2B5EF4-FFF2-40B4-BE49-F238E27FC236}">
-                <a16:creationId xmlns:a16="http://schemas.microsoft.com/office/drawing/2014/main" id="{1AEC0421-37B4-4481-A10D-69FDF5EC7909}"/>
+                <a16:creationId xmlns:a16="http://schemas.microsoft.com/office/drawing/2014/main" xmlns="" id="{1AEC0421-37B4-4481-A10D-69FDF5EC7909}"/>
               </a:ext>
             </a:extLst>
           </p:cNvPr>
@@ -858,7 +862,7 @@
           <p:cNvPr id="10" name="Rectangle 9">
             <a:extLst>
               <a:ext uri="{FF2B5EF4-FFF2-40B4-BE49-F238E27FC236}">
-                <a16:creationId xmlns:a16="http://schemas.microsoft.com/office/drawing/2014/main" id="{5F7265B5-9F97-4F1E-99E9-74F7B7E62337}"/>
+                <a16:creationId xmlns:a16="http://schemas.microsoft.com/office/drawing/2014/main" xmlns="" id="{5F7265B5-9F97-4F1E-99E9-74F7B7E62337}"/>
               </a:ext>
             </a:extLst>
           </p:cNvPr>
@@ -901,7 +905,7 @@
           <p:cNvPr id="11" name="Date Placeholder 10">
             <a:extLst>
               <a:ext uri="{FF2B5EF4-FFF2-40B4-BE49-F238E27FC236}">
-                <a16:creationId xmlns:a16="http://schemas.microsoft.com/office/drawing/2014/main" id="{5C74A470-3BD3-4F33-80E5-67E6E87FCBE7}"/>
+                <a16:creationId xmlns:a16="http://schemas.microsoft.com/office/drawing/2014/main" xmlns="" id="{5C74A470-3BD3-4F33-80E5-67E6E87FCBE7}"/>
               </a:ext>
             </a:extLst>
           </p:cNvPr>
@@ -919,6 +923,7 @@
           <a:p>
             <a:fld id="{ED291B17-9318-49DB-B28B-6E5994AE9581}" type="datetime1">
               <a:rPr lang="en-US" smtClean="0"/>
+              <a:pPr/>
               <a:t>5/13/2020</a:t>
             </a:fld>
             <a:endParaRPr lang="en-US" dirty="0"/>
@@ -930,7 +935,7 @@
           <p:cNvPr id="12" name="Footer Placeholder 11">
             <a:extLst>
               <a:ext uri="{FF2B5EF4-FFF2-40B4-BE49-F238E27FC236}">
-                <a16:creationId xmlns:a16="http://schemas.microsoft.com/office/drawing/2014/main" id="{9A3A30BA-DB50-4D7D-BCDE-17D20FB354DF}"/>
+                <a16:creationId xmlns:a16="http://schemas.microsoft.com/office/drawing/2014/main" xmlns="" id="{9A3A30BA-DB50-4D7D-BCDE-17D20FB354DF}"/>
               </a:ext>
             </a:extLst>
           </p:cNvPr>
@@ -955,7 +960,7 @@
           <p:cNvPr id="13" name="Slide Number Placeholder 12">
             <a:extLst>
               <a:ext uri="{FF2B5EF4-FFF2-40B4-BE49-F238E27FC236}">
-                <a16:creationId xmlns:a16="http://schemas.microsoft.com/office/drawing/2014/main" id="{76FF9E58-C0B2-436B-A21C-DB45A00D6515}"/>
+                <a16:creationId xmlns:a16="http://schemas.microsoft.com/office/drawing/2014/main" xmlns="" id="{76FF9E58-C0B2-436B-A21C-DB45A00D6515}"/>
               </a:ext>
             </a:extLst>
           </p:cNvPr>
@@ -973,6 +978,7 @@
           <a:p>
             <a:fld id="{3A98EE3D-8CD1-4C3F-BD1C-C98C9596463C}" type="slidenum">
               <a:rPr lang="en-US" smtClean="0"/>
+              <a:pPr/>
               <a:t>‹#›</a:t>
             </a:fld>
             <a:endParaRPr lang="en-US" dirty="0"/>
@@ -982,7 +988,7 @@
     </p:spTree>
     <p:extLst>
       <p:ext uri="{BB962C8B-B14F-4D97-AF65-F5344CB8AC3E}">
-        <p14:creationId xmlns:p14="http://schemas.microsoft.com/office/powerpoint/2010/main" val="3783975248"/>
+        <p14:creationId xmlns:p14="http://schemas.microsoft.com/office/powerpoint/2010/main" xmlns="" val="3783975248"/>
       </p:ext>
     </p:extLst>
   </p:cSld>
@@ -1099,7 +1105,7 @@
           <p:cNvPr id="8" name="Date Placeholder 7">
             <a:extLst>
               <a:ext uri="{FF2B5EF4-FFF2-40B4-BE49-F238E27FC236}">
-                <a16:creationId xmlns:a16="http://schemas.microsoft.com/office/drawing/2014/main" id="{770E6237-3456-439F-802D-3BA93FC7E3E5}"/>
+                <a16:creationId xmlns:a16="http://schemas.microsoft.com/office/drawing/2014/main" xmlns="" id="{770E6237-3456-439F-802D-3BA93FC7E3E5}"/>
               </a:ext>
             </a:extLst>
           </p:cNvPr>
@@ -1117,6 +1123,7 @@
           <a:p>
             <a:fld id="{78DD82B9-B8EE-4375-B6FF-88FA6ABB15D9}" type="datetime1">
               <a:rPr lang="en-US" smtClean="0"/>
+              <a:pPr/>
               <a:t>5/13/2020</a:t>
             </a:fld>
             <a:endParaRPr lang="en-US" dirty="0"/>
@@ -1128,7 +1135,7 @@
           <p:cNvPr id="9" name="Footer Placeholder 8">
             <a:extLst>
               <a:ext uri="{FF2B5EF4-FFF2-40B4-BE49-F238E27FC236}">
-                <a16:creationId xmlns:a16="http://schemas.microsoft.com/office/drawing/2014/main" id="{1356D3B5-6063-4A89-B88F-9D3043916FF8}"/>
+                <a16:creationId xmlns:a16="http://schemas.microsoft.com/office/drawing/2014/main" xmlns="" id="{1356D3B5-6063-4A89-B88F-9D3043916FF8}"/>
               </a:ext>
             </a:extLst>
           </p:cNvPr>
@@ -1153,7 +1160,7 @@
           <p:cNvPr id="10" name="Slide Number Placeholder 9">
             <a:extLst>
               <a:ext uri="{FF2B5EF4-FFF2-40B4-BE49-F238E27FC236}">
-                <a16:creationId xmlns:a16="http://schemas.microsoft.com/office/drawing/2014/main" id="{02B78BF7-69D3-4CE0-A631-50EFD41EEEB8}"/>
+                <a16:creationId xmlns:a16="http://schemas.microsoft.com/office/drawing/2014/main" xmlns="" id="{02B78BF7-69D3-4CE0-A631-50EFD41EEEB8}"/>
               </a:ext>
             </a:extLst>
           </p:cNvPr>
@@ -1171,6 +1178,7 @@
           <a:p>
             <a:fld id="{3A98EE3D-8CD1-4C3F-BD1C-C98C9596463C}" type="slidenum">
               <a:rPr lang="en-US" smtClean="0"/>
+              <a:pPr/>
               <a:t>‹#›</a:t>
             </a:fld>
             <a:endParaRPr lang="en-US" dirty="0"/>
@@ -1180,7 +1188,7 @@
     </p:spTree>
     <p:extLst>
       <p:ext uri="{BB962C8B-B14F-4D97-AF65-F5344CB8AC3E}">
-        <p14:creationId xmlns:p14="http://schemas.microsoft.com/office/powerpoint/2010/main" val="1616673053"/>
+        <p14:creationId xmlns:p14="http://schemas.microsoft.com/office/powerpoint/2010/main" xmlns="" val="1616673053"/>
       </p:ext>
     </p:extLst>
   </p:cSld>
@@ -1411,7 +1419,7 @@
           <p:cNvPr id="7" name="Date Placeholder 6">
             <a:extLst>
               <a:ext uri="{FF2B5EF4-FFF2-40B4-BE49-F238E27FC236}">
-                <a16:creationId xmlns:a16="http://schemas.microsoft.com/office/drawing/2014/main" id="{61582016-5696-4A93-887F-BBB3B9002FE5}"/>
+                <a16:creationId xmlns:a16="http://schemas.microsoft.com/office/drawing/2014/main" xmlns="" id="{61582016-5696-4A93-887F-BBB3B9002FE5}"/>
               </a:ext>
             </a:extLst>
           </p:cNvPr>
@@ -1429,6 +1437,7 @@
           <a:p>
             <a:fld id="{B2497495-0637-405E-AE64-5CC7506D51F5}" type="datetime1">
               <a:rPr lang="en-US" smtClean="0"/>
+              <a:pPr/>
               <a:t>5/13/2020</a:t>
             </a:fld>
             <a:endParaRPr lang="en-US" dirty="0"/>
@@ -1440,7 +1449,7 @@
           <p:cNvPr id="9" name="Footer Placeholder 8">
             <a:extLst>
               <a:ext uri="{FF2B5EF4-FFF2-40B4-BE49-F238E27FC236}">
-                <a16:creationId xmlns:a16="http://schemas.microsoft.com/office/drawing/2014/main" id="{857CFCD5-1192-4E18-8A8F-29E153B44DA4}"/>
+                <a16:creationId xmlns:a16="http://schemas.microsoft.com/office/drawing/2014/main" xmlns="" id="{857CFCD5-1192-4E18-8A8F-29E153B44DA4}"/>
               </a:ext>
             </a:extLst>
           </p:cNvPr>
@@ -1465,7 +1474,7 @@
           <p:cNvPr id="10" name="Slide Number Placeholder 9">
             <a:extLst>
               <a:ext uri="{FF2B5EF4-FFF2-40B4-BE49-F238E27FC236}">
-                <a16:creationId xmlns:a16="http://schemas.microsoft.com/office/drawing/2014/main" id="{E39A109E-5018-4794-92B3-FD5E5BCD95E8}"/>
+                <a16:creationId xmlns:a16="http://schemas.microsoft.com/office/drawing/2014/main" xmlns="" id="{E39A109E-5018-4794-92B3-FD5E5BCD95E8}"/>
               </a:ext>
             </a:extLst>
           </p:cNvPr>
@@ -1483,6 +1492,7 @@
           <a:p>
             <a:fld id="{3A98EE3D-8CD1-4C3F-BD1C-C98C9596463C}" type="slidenum">
               <a:rPr lang="en-US" smtClean="0"/>
+              <a:pPr/>
               <a:t>‹#›</a:t>
             </a:fld>
             <a:endParaRPr lang="en-US" dirty="0"/>
@@ -1492,7 +1502,7 @@
     </p:spTree>
     <p:extLst>
       <p:ext uri="{BB962C8B-B14F-4D97-AF65-F5344CB8AC3E}">
-        <p14:creationId xmlns:p14="http://schemas.microsoft.com/office/powerpoint/2010/main" val="1171781761"/>
+        <p14:creationId xmlns:p14="http://schemas.microsoft.com/office/powerpoint/2010/main" xmlns="" val="1171781761"/>
       </p:ext>
     </p:extLst>
   </p:cSld>
@@ -1682,6 +1692,7 @@
           <a:p>
             <a:fld id="{7BFFD690-9426-415D-8B65-26881E07B2D4}" type="datetime1">
               <a:rPr lang="en-US" smtClean="0"/>
+              <a:pPr/>
               <a:t>5/13/2020</a:t>
             </a:fld>
             <a:endParaRPr lang="en-US" dirty="0"/>
@@ -1724,6 +1735,7 @@
           <a:p>
             <a:fld id="{3A98EE3D-8CD1-4C3F-BD1C-C98C9596463C}" type="slidenum">
               <a:rPr lang="en-US" smtClean="0"/>
+              <a:pPr/>
               <a:t>‹#›</a:t>
             </a:fld>
             <a:endParaRPr lang="en-US" dirty="0"/>
@@ -1733,7 +1745,7 @@
     </p:spTree>
     <p:extLst>
       <p:ext uri="{BB962C8B-B14F-4D97-AF65-F5344CB8AC3E}">
-        <p14:creationId xmlns:p14="http://schemas.microsoft.com/office/powerpoint/2010/main" val="1720844098"/>
+        <p14:creationId xmlns:p14="http://schemas.microsoft.com/office/powerpoint/2010/main" xmlns="" val="1720844098"/>
       </p:ext>
     </p:extLst>
   </p:cSld>
@@ -2104,6 +2116,7 @@
           <a:p>
             <a:fld id="{04C4989A-474C-40DE-95B9-011C28B71673}" type="datetime1">
               <a:rPr lang="en-US" smtClean="0"/>
+              <a:pPr/>
               <a:t>5/13/2020</a:t>
             </a:fld>
             <a:endParaRPr lang="en-US" dirty="0"/>
@@ -2146,6 +2159,7 @@
           <a:p>
             <a:fld id="{3A98EE3D-8CD1-4C3F-BD1C-C98C9596463C}" type="slidenum">
               <a:rPr lang="en-US" smtClean="0"/>
+              <a:pPr/>
               <a:t>‹#›</a:t>
             </a:fld>
             <a:endParaRPr lang="en-US" dirty="0"/>
@@ -2155,7 +2169,7 @@
     </p:spTree>
     <p:extLst>
       <p:ext uri="{BB962C8B-B14F-4D97-AF65-F5344CB8AC3E}">
-        <p14:creationId xmlns:p14="http://schemas.microsoft.com/office/powerpoint/2010/main" val="643050465"/>
+        <p14:creationId xmlns:p14="http://schemas.microsoft.com/office/powerpoint/2010/main" xmlns="" val="643050465"/>
       </p:ext>
     </p:extLst>
   </p:cSld>
@@ -2227,6 +2241,7 @@
           <a:p>
             <a:fld id="{5DB4ED54-5B5E-4A04-93D3-5772E3CE3818}" type="datetime1">
               <a:rPr lang="en-US" smtClean="0"/>
+              <a:pPr/>
               <a:t>5/13/2020</a:t>
             </a:fld>
             <a:endParaRPr lang="en-US" dirty="0"/>
@@ -2269,6 +2284,7 @@
           <a:p>
             <a:fld id="{3A98EE3D-8CD1-4C3F-BD1C-C98C9596463C}" type="slidenum">
               <a:rPr lang="en-US" smtClean="0"/>
+              <a:pPr/>
               <a:t>‹#›</a:t>
             </a:fld>
             <a:endParaRPr lang="en-US" dirty="0"/>
@@ -2278,7 +2294,7 @@
     </p:spTree>
     <p:extLst>
       <p:ext uri="{BB962C8B-B14F-4D97-AF65-F5344CB8AC3E}">
-        <p14:creationId xmlns:p14="http://schemas.microsoft.com/office/powerpoint/2010/main" val="4197245474"/>
+        <p14:creationId xmlns:p14="http://schemas.microsoft.com/office/powerpoint/2010/main" xmlns="" val="4197245474"/>
       </p:ext>
     </p:extLst>
   </p:cSld>
@@ -2322,6 +2338,7 @@
           <a:p>
             <a:fld id="{4EDE50D6-574B-40AF-946F-D52A04ADE379}" type="datetime1">
               <a:rPr lang="en-US" smtClean="0"/>
+              <a:pPr/>
               <a:t>5/13/2020</a:t>
             </a:fld>
             <a:endParaRPr lang="en-US" dirty="0"/>
@@ -2364,6 +2381,7 @@
           <a:p>
             <a:fld id="{3A98EE3D-8CD1-4C3F-BD1C-C98C9596463C}" type="slidenum">
               <a:rPr lang="en-US" smtClean="0"/>
+              <a:pPr/>
               <a:t>‹#›</a:t>
             </a:fld>
             <a:endParaRPr lang="en-US" dirty="0"/>
@@ -2373,7 +2391,7 @@
     </p:spTree>
     <p:extLst>
       <p:ext uri="{BB962C8B-B14F-4D97-AF65-F5344CB8AC3E}">
-        <p14:creationId xmlns:p14="http://schemas.microsoft.com/office/powerpoint/2010/main" val="3477419110"/>
+        <p14:creationId xmlns:p14="http://schemas.microsoft.com/office/powerpoint/2010/main" xmlns="" val="3477419110"/>
       </p:ext>
     </p:extLst>
   </p:cSld>
@@ -2676,7 +2694,7 @@
           <p:cNvPr id="8" name="Date Placeholder 7">
             <a:extLst>
               <a:ext uri="{FF2B5EF4-FFF2-40B4-BE49-F238E27FC236}">
-                <a16:creationId xmlns:a16="http://schemas.microsoft.com/office/drawing/2014/main" id="{0B919CC2-2A65-446F-B538-9E6249035445}"/>
+                <a16:creationId xmlns:a16="http://schemas.microsoft.com/office/drawing/2014/main" xmlns="" id="{0B919CC2-2A65-446F-B538-9E6249035445}"/>
               </a:ext>
             </a:extLst>
           </p:cNvPr>
@@ -2699,6 +2717,7 @@
           <a:p>
             <a:fld id="{D82884F1-FFEA-405F-9602-3DCA865EDA4E}" type="datetime1">
               <a:rPr lang="en-US" smtClean="0"/>
+              <a:pPr/>
               <a:t>5/13/2020</a:t>
             </a:fld>
             <a:endParaRPr lang="en-US" dirty="0"/>
@@ -2710,7 +2729,7 @@
           <p:cNvPr id="10" name="Footer Placeholder 9">
             <a:extLst>
               <a:ext uri="{FF2B5EF4-FFF2-40B4-BE49-F238E27FC236}">
-                <a16:creationId xmlns:a16="http://schemas.microsoft.com/office/drawing/2014/main" id="{B72412AE-119E-4982-8B24-63365EFCA796}"/>
+                <a16:creationId xmlns:a16="http://schemas.microsoft.com/office/drawing/2014/main" xmlns="" id="{B72412AE-119E-4982-8B24-63365EFCA796}"/>
               </a:ext>
             </a:extLst>
           </p:cNvPr>
@@ -2740,7 +2759,7 @@
           <p:cNvPr id="11" name="Slide Number Placeholder 10">
             <a:extLst>
               <a:ext uri="{FF2B5EF4-FFF2-40B4-BE49-F238E27FC236}">
-                <a16:creationId xmlns:a16="http://schemas.microsoft.com/office/drawing/2014/main" id="{7FC4BB19-6AD1-45CF-9F99-00B109890FAB}"/>
+                <a16:creationId xmlns:a16="http://schemas.microsoft.com/office/drawing/2014/main" xmlns="" id="{7FC4BB19-6AD1-45CF-9F99-00B109890FAB}"/>
               </a:ext>
             </a:extLst>
           </p:cNvPr>
@@ -2773,7 +2792,7 @@
     </p:spTree>
     <p:extLst>
       <p:ext uri="{BB962C8B-B14F-4D97-AF65-F5344CB8AC3E}">
-        <p14:creationId xmlns:p14="http://schemas.microsoft.com/office/powerpoint/2010/main" val="1782975784"/>
+        <p14:creationId xmlns:p14="http://schemas.microsoft.com/office/powerpoint/2010/main" xmlns="" val="1782975784"/>
       </p:ext>
     </p:extLst>
   </p:cSld>
@@ -2992,6 +3011,7 @@
           <a:p>
             <a:fld id="{7E18DB4A-8810-4A10-AD5C-D5E2C667F5B3}" type="datetime1">
               <a:rPr lang="en-US" smtClean="0"/>
+              <a:pPr/>
               <a:t>5/13/2020</a:t>
             </a:fld>
             <a:endParaRPr lang="en-US" dirty="0"/>
@@ -3035,6 +3055,7 @@
           <a:p>
             <a:fld id="{3A98EE3D-8CD1-4C3F-BD1C-C98C9596463C}" type="slidenum">
               <a:rPr lang="en-US" smtClean="0"/>
+              <a:pPr/>
               <a:t>‹#›</a:t>
             </a:fld>
             <a:endParaRPr lang="en-US" dirty="0"/>
@@ -3044,7 +3065,7 @@
     </p:spTree>
     <p:extLst>
       <p:ext uri="{BB962C8B-B14F-4D97-AF65-F5344CB8AC3E}">
-        <p14:creationId xmlns:p14="http://schemas.microsoft.com/office/powerpoint/2010/main" val="2621351987"/>
+        <p14:creationId xmlns:p14="http://schemas.microsoft.com/office/powerpoint/2010/main" xmlns="" val="2621351987"/>
       </p:ext>
     </p:extLst>
   </p:cSld>
@@ -3207,6 +3228,7 @@
           <a:p>
             <a:fld id="{ED291B17-9318-49DB-B28B-6E5994AE9581}" type="datetime1">
               <a:rPr lang="en-US" smtClean="0"/>
+              <a:pPr/>
               <a:t>5/13/2020</a:t>
             </a:fld>
             <a:endParaRPr lang="en-US" dirty="0"/>
@@ -3287,6 +3309,7 @@
           <a:p>
             <a:fld id="{3A98EE3D-8CD1-4C3F-BD1C-C98C9596463C}" type="slidenum">
               <a:rPr lang="en-US" smtClean="0"/>
+              <a:pPr/>
               <a:t>‹#›</a:t>
             </a:fld>
             <a:endParaRPr lang="en-US" dirty="0"/>
@@ -3407,7 +3430,7 @@
     </p:spTree>
     <p:extLst>
       <p:ext uri="{BB962C8B-B14F-4D97-AF65-F5344CB8AC3E}">
-        <p14:creationId xmlns:p14="http://schemas.microsoft.com/office/powerpoint/2010/main" val="518843926"/>
+        <p14:creationId xmlns:p14="http://schemas.microsoft.com/office/powerpoint/2010/main" xmlns="" val="518843926"/>
       </p:ext>
     </p:extLst>
   </p:cSld>
@@ -3852,10 +3875,10 @@
           <p:cNvPr id="12" name="Rectangle 8">
             <a:extLst>
               <a:ext uri="{FF2B5EF4-FFF2-40B4-BE49-F238E27FC236}">
-                <a16:creationId xmlns:a16="http://schemas.microsoft.com/office/drawing/2014/main" id="{26B4480E-B7FF-4481-890E-043A69AE6FE2}"/>
+                <a16:creationId xmlns:a16="http://schemas.microsoft.com/office/drawing/2014/main" xmlns="" id="{26B4480E-B7FF-4481-890E-043A69AE6FE2}"/>
               </a:ext>
               <a:ext uri="{C183D7F6-B498-43B3-948B-1728B52AA6E4}">
-                <adec:decorative xmlns:adec="http://schemas.microsoft.com/office/drawing/2017/decorative" val="1"/>
+                <adec:decorative xmlns:adec="http://schemas.microsoft.com/office/drawing/2017/decorative" xmlns="" val="1"/>
               </a:ext>
             </a:extLst>
           </p:cNvPr>
@@ -3865,7 +3888,7 @@
           <p:nvPr>
             <p:extLst>
               <p:ext uri="{386F3935-93C4-4BCD-93E2-E3B085C9AB24}">
-                <p16:designElem xmlns:p16="http://schemas.microsoft.com/office/powerpoint/2015/main" val="1"/>
+                <p16:designElem xmlns:p16="http://schemas.microsoft.com/office/powerpoint/2015/main" xmlns="" val="1"/>
               </p:ext>
             </p:extLst>
           </p:nvPr>
@@ -3903,7 +3926,7 @@
           <a:lstStyle/>
           <a:p>
             <a:pPr algn="ctr"/>
-            <a:endParaRPr lang="en-US"/>
+            <a:endParaRPr lang="en-US" dirty="0"/>
           </a:p>
         </p:txBody>
       </p:sp>
@@ -3912,7 +3935,7 @@
           <p:cNvPr id="14" name="Picture 3">
             <a:extLst>
               <a:ext uri="{FF2B5EF4-FFF2-40B4-BE49-F238E27FC236}">
-                <a16:creationId xmlns:a16="http://schemas.microsoft.com/office/drawing/2014/main" id="{8AFBA856-3A24-4BE7-ABB4-79AAA4B67D2A}"/>
+                <a16:creationId xmlns:a16="http://schemas.microsoft.com/office/drawing/2014/main" xmlns="" id="{8AFBA856-3A24-4BE7-ABB4-79AAA4B67D2A}"/>
               </a:ext>
             </a:extLst>
           </p:cNvPr>
@@ -3941,10 +3964,10 @@
           <p:cNvPr id="11" name="Rectangle 10">
             <a:extLst>
               <a:ext uri="{FF2B5EF4-FFF2-40B4-BE49-F238E27FC236}">
-                <a16:creationId xmlns:a16="http://schemas.microsoft.com/office/drawing/2014/main" id="{64C13BAB-7C00-4D21-A857-E3D41C0A2A66}"/>
+                <a16:creationId xmlns:a16="http://schemas.microsoft.com/office/drawing/2014/main" xmlns="" id="{64C13BAB-7C00-4D21-A857-E3D41C0A2A66}"/>
               </a:ext>
               <a:ext uri="{C183D7F6-B498-43B3-948B-1728B52AA6E4}">
-                <adec:decorative xmlns:adec="http://schemas.microsoft.com/office/drawing/2017/decorative" val="1"/>
+                <adec:decorative xmlns:adec="http://schemas.microsoft.com/office/drawing/2017/decorative" xmlns="" val="1"/>
               </a:ext>
             </a:extLst>
           </p:cNvPr>
@@ -3954,7 +3977,7 @@
           <p:nvPr>
             <p:extLst>
               <p:ext uri="{386F3935-93C4-4BCD-93E2-E3B085C9AB24}">
-                <p16:designElem xmlns:p16="http://schemas.microsoft.com/office/powerpoint/2015/main" val="1"/>
+                <p16:designElem xmlns:p16="http://schemas.microsoft.com/office/powerpoint/2015/main" xmlns="" val="1"/>
               </p:ext>
             </p:extLst>
           </p:nvPr>
@@ -3995,10 +4018,10 @@
           <p:cNvPr id="13" name="Rectangle 12">
             <a:extLst>
               <a:ext uri="{FF2B5EF4-FFF2-40B4-BE49-F238E27FC236}">
-                <a16:creationId xmlns:a16="http://schemas.microsoft.com/office/drawing/2014/main" id="{1F1FF39A-AC3C-4066-9D4C-519AA22812EA}"/>
+                <a16:creationId xmlns:a16="http://schemas.microsoft.com/office/drawing/2014/main" xmlns="" id="{1F1FF39A-AC3C-4066-9D4C-519AA22812EA}"/>
               </a:ext>
               <a:ext uri="{C183D7F6-B498-43B3-948B-1728B52AA6E4}">
-                <adec:decorative xmlns:adec="http://schemas.microsoft.com/office/drawing/2017/decorative" val="1"/>
+                <adec:decorative xmlns:adec="http://schemas.microsoft.com/office/drawing/2017/decorative" xmlns="" val="1"/>
               </a:ext>
             </a:extLst>
           </p:cNvPr>
@@ -4008,7 +4031,7 @@
           <p:nvPr>
             <p:extLst>
               <p:ext uri="{386F3935-93C4-4BCD-93E2-E3B085C9AB24}">
-                <p16:designElem xmlns:p16="http://schemas.microsoft.com/office/powerpoint/2015/main" val="1"/>
+                <p16:designElem xmlns:p16="http://schemas.microsoft.com/office/powerpoint/2015/main" xmlns="" val="1"/>
               </p:ext>
             </p:extLst>
           </p:nvPr>
@@ -4051,7 +4074,7 @@
           <p:cNvPr id="2" name="Title 1">
             <a:extLst>
               <a:ext uri="{FF2B5EF4-FFF2-40B4-BE49-F238E27FC236}">
-                <a16:creationId xmlns:a16="http://schemas.microsoft.com/office/drawing/2014/main" id="{014018EB-B0D4-44F6-92CD-380CD006D987}"/>
+                <a16:creationId xmlns:a16="http://schemas.microsoft.com/office/drawing/2014/main" xmlns="" id="{014018EB-B0D4-44F6-92CD-380CD006D987}"/>
               </a:ext>
             </a:extLst>
           </p:cNvPr>
@@ -4065,7 +4088,7 @@
         <p:spPr>
           <a:xfrm>
             <a:off x="6096000" y="1524001"/>
-            <a:ext cx="5411211" cy="3478384"/>
+            <a:ext cx="5411211" cy="1870363"/>
           </a:xfrm>
         </p:spPr>
         <p:txBody>
@@ -4097,10 +4120,81 @@
           </a:p>
         </p:txBody>
       </p:sp>
+      <p:sp>
+        <p:nvSpPr>
+          <p:cNvPr id="7" name="TextBox 6"/>
+          <p:cNvSpPr txBox="1"/>
+          <p:nvPr/>
+        </p:nvSpPr>
+        <p:spPr>
+          <a:xfrm>
+            <a:off x="7744691" y="4738255"/>
+            <a:ext cx="3172691" cy="923330"/>
+          </a:xfrm>
+          <a:prstGeom prst="rect">
+            <a:avLst/>
+          </a:prstGeom>
+          <a:noFill/>
+        </p:spPr>
+        <p:txBody>
+          <a:bodyPr wrap="square" rtlCol="0">
+            <a:spAutoFit/>
+          </a:bodyPr>
+          <a:lstStyle/>
+          <a:p>
+            <a:r>
+              <a:rPr lang="en-US" dirty="0" smtClean="0">
+                <a:solidFill>
+                  <a:schemeClr val="bg1"/>
+                </a:solidFill>
+              </a:rPr>
+              <a:t>Team members:</a:t>
+            </a:r>
+          </a:p>
+          <a:p>
+            <a:r>
+              <a:rPr lang="en-US" dirty="0" smtClean="0">
+                <a:solidFill>
+                  <a:schemeClr val="bg1"/>
+                </a:solidFill>
+              </a:rPr>
+              <a:t>Sindhura.L(01JST17IS050)</a:t>
+            </a:r>
+            <a:endParaRPr lang="en-US" dirty="0" smtClean="0">
+              <a:solidFill>
+                <a:schemeClr val="bg1"/>
+              </a:solidFill>
+            </a:endParaRPr>
+          </a:p>
+          <a:p>
+            <a:r>
+              <a:rPr lang="en-US" dirty="0" smtClean="0">
+                <a:solidFill>
+                  <a:schemeClr val="bg1"/>
+                </a:solidFill>
+              </a:rPr>
+              <a:t>Spoorthi.S</a:t>
+            </a:r>
+            <a:r>
+              <a:rPr lang="en-US" dirty="0" smtClean="0">
+                <a:solidFill>
+                  <a:schemeClr val="bg1"/>
+                </a:solidFill>
+              </a:rPr>
+              <a:t>(01JST17IS062)</a:t>
+            </a:r>
+            <a:endParaRPr lang="en-US" dirty="0">
+              <a:solidFill>
+                <a:schemeClr val="bg1"/>
+              </a:solidFill>
+            </a:endParaRPr>
+          </a:p>
+        </p:txBody>
+      </p:sp>
     </p:spTree>
     <p:extLst>
       <p:ext uri="{BB962C8B-B14F-4D97-AF65-F5344CB8AC3E}">
-        <p14:creationId xmlns:p14="http://schemas.microsoft.com/office/powerpoint/2010/main" val="4148727387"/>
+        <p14:creationId xmlns:p14="http://schemas.microsoft.com/office/powerpoint/2010/main" xmlns="" val="4148727387"/>
       </p:ext>
     </p:extLst>
   </p:cSld>
@@ -4132,7 +4226,7 @@
           <p:cNvPr id="2" name="Title 1">
             <a:extLst>
               <a:ext uri="{FF2B5EF4-FFF2-40B4-BE49-F238E27FC236}">
-                <a16:creationId xmlns:a16="http://schemas.microsoft.com/office/drawing/2014/main" id="{106E71CC-6BDE-457B-8059-02BC1D5EE395}"/>
+                <a16:creationId xmlns:a16="http://schemas.microsoft.com/office/drawing/2014/main" xmlns="" id="{106E71CC-6BDE-457B-8059-02BC1D5EE395}"/>
               </a:ext>
             </a:extLst>
           </p:cNvPr>
@@ -4149,8 +4243,8 @@
           <a:lstStyle/>
           <a:p>
             <a:r>
-              <a:rPr lang="en-IN" dirty="0"/>
-              <a:t>Problem Statement:</a:t>
+              <a:rPr lang="en-IN" dirty="0" smtClean="0"/>
+              <a:t>Product scope:</a:t>
             </a:r>
             <a:endParaRPr lang="kn-IN" dirty="0"/>
           </a:p>
@@ -4161,7 +4255,7 @@
           <p:cNvPr id="3" name="Content Placeholder 2">
             <a:extLst>
               <a:ext uri="{FF2B5EF4-FFF2-40B4-BE49-F238E27FC236}">
-                <a16:creationId xmlns:a16="http://schemas.microsoft.com/office/drawing/2014/main" id="{1658DF85-6D4A-423E-8792-513E9464EB64}"/>
+                <a16:creationId xmlns:a16="http://schemas.microsoft.com/office/drawing/2014/main" xmlns="" id="{1658DF85-6D4A-423E-8792-513E9464EB64}"/>
               </a:ext>
             </a:extLst>
           </p:cNvPr>
@@ -4193,7 +4287,27 @@
           <a:p>
             <a:r>
               <a:rPr lang="en-US" sz="2000" dirty="0"/>
-              <a:t>People tend to invest there money in more than one organization or bank because depositing all the saved money in same bank or same investment platform may involve risk of losing the money and investing in different platform also gives them tax concessions.</a:t>
+              <a:t>People tend to invest </a:t>
+            </a:r>
+            <a:r>
+              <a:rPr lang="en-US" sz="2000" dirty="0" smtClean="0"/>
+              <a:t>their </a:t>
+            </a:r>
+            <a:r>
+              <a:rPr lang="en-US" sz="2000" dirty="0"/>
+              <a:t>money in </a:t>
+            </a:r>
+            <a:r>
+              <a:rPr lang="en-US" sz="2000" dirty="0" smtClean="0"/>
+              <a:t>multiple </a:t>
+            </a:r>
+            <a:r>
+              <a:rPr lang="en-US" sz="2000" smtClean="0"/>
+              <a:t>financial institutions, </a:t>
+            </a:r>
+            <a:r>
+              <a:rPr lang="en-US" sz="2000" dirty="0"/>
+              <a:t>because depositing all the saved money in same bank or same investment platform may involve risk of losing the money and investing in different platform also gives them tax concessions.</a:t>
             </a:r>
           </a:p>
           <a:p>
@@ -4213,7 +4327,7 @@
     </p:spTree>
     <p:extLst>
       <p:ext uri="{BB962C8B-B14F-4D97-AF65-F5344CB8AC3E}">
-        <p14:creationId xmlns:p14="http://schemas.microsoft.com/office/powerpoint/2010/main" val="2318894735"/>
+        <p14:creationId xmlns:p14="http://schemas.microsoft.com/office/powerpoint/2010/main" xmlns="" val="2318894735"/>
       </p:ext>
     </p:extLst>
   </p:cSld>
@@ -4245,7 +4359,7 @@
           <p:cNvPr id="2" name="Title 1">
             <a:extLst>
               <a:ext uri="{FF2B5EF4-FFF2-40B4-BE49-F238E27FC236}">
-                <a16:creationId xmlns:a16="http://schemas.microsoft.com/office/drawing/2014/main" id="{20F0E6FA-E175-49AC-8877-C73D889547AA}"/>
+                <a16:creationId xmlns:a16="http://schemas.microsoft.com/office/drawing/2014/main" xmlns="" id="{20F0E6FA-E175-49AC-8877-C73D889547AA}"/>
               </a:ext>
             </a:extLst>
           </p:cNvPr>
@@ -4274,7 +4388,7 @@
           <p:cNvPr id="3" name="Content Placeholder 2">
             <a:extLst>
               <a:ext uri="{FF2B5EF4-FFF2-40B4-BE49-F238E27FC236}">
-                <a16:creationId xmlns:a16="http://schemas.microsoft.com/office/drawing/2014/main" id="{A2827B00-533F-4BE7-B7F0-4053EE0BE287}"/>
+                <a16:creationId xmlns:a16="http://schemas.microsoft.com/office/drawing/2014/main" xmlns="" id="{A2827B00-533F-4BE7-B7F0-4053EE0BE287}"/>
               </a:ext>
             </a:extLst>
           </p:cNvPr>
@@ -4325,7 +4439,7 @@
     </p:spTree>
     <p:extLst>
       <p:ext uri="{BB962C8B-B14F-4D97-AF65-F5344CB8AC3E}">
-        <p14:creationId xmlns:p14="http://schemas.microsoft.com/office/powerpoint/2010/main" val="1522183498"/>
+        <p14:creationId xmlns:p14="http://schemas.microsoft.com/office/powerpoint/2010/main" xmlns="" val="1522183498"/>
       </p:ext>
     </p:extLst>
   </p:cSld>
@@ -4357,7 +4471,7 @@
           <p:cNvPr id="2" name="Title 1">
             <a:extLst>
               <a:ext uri="{FF2B5EF4-FFF2-40B4-BE49-F238E27FC236}">
-                <a16:creationId xmlns:a16="http://schemas.microsoft.com/office/drawing/2014/main" id="{C07D1DD5-8AFA-481A-A61A-117D8E248FE5}"/>
+                <a16:creationId xmlns:a16="http://schemas.microsoft.com/office/drawing/2014/main" xmlns="" id="{C07D1DD5-8AFA-481A-A61A-117D8E248FE5}"/>
               </a:ext>
             </a:extLst>
           </p:cNvPr>
@@ -4382,7 +4496,7 @@
           <p:cNvPr id="3" name="Content Placeholder 2">
             <a:extLst>
               <a:ext uri="{FF2B5EF4-FFF2-40B4-BE49-F238E27FC236}">
-                <a16:creationId xmlns:a16="http://schemas.microsoft.com/office/drawing/2014/main" id="{D3B18B3F-EE85-4ADF-B5B1-2E453F00C5B9}"/>
+                <a16:creationId xmlns:a16="http://schemas.microsoft.com/office/drawing/2014/main" xmlns="" id="{D3B18B3F-EE85-4ADF-B5B1-2E453F00C5B9}"/>
               </a:ext>
             </a:extLst>
           </p:cNvPr>
@@ -4443,7 +4557,7 @@
     </p:spTree>
     <p:extLst>
       <p:ext uri="{BB962C8B-B14F-4D97-AF65-F5344CB8AC3E}">
-        <p14:creationId xmlns:p14="http://schemas.microsoft.com/office/powerpoint/2010/main" val="303119902"/>
+        <p14:creationId xmlns:p14="http://schemas.microsoft.com/office/powerpoint/2010/main" xmlns="" val="303119902"/>
       </p:ext>
     </p:extLst>
   </p:cSld>
@@ -4475,7 +4589,7 @@
           <p:cNvPr id="3" name="Content Placeholder 2">
             <a:extLst>
               <a:ext uri="{FF2B5EF4-FFF2-40B4-BE49-F238E27FC236}">
-                <a16:creationId xmlns:a16="http://schemas.microsoft.com/office/drawing/2014/main" id="{5D764D73-2D98-4DE7-AF70-FDAD98BF5067}"/>
+                <a16:creationId xmlns:a16="http://schemas.microsoft.com/office/drawing/2014/main" xmlns="" id="{5D764D73-2D98-4DE7-AF70-FDAD98BF5067}"/>
               </a:ext>
             </a:extLst>
           </p:cNvPr>
@@ -4512,7 +4626,7 @@
     </p:spTree>
     <p:extLst>
       <p:ext uri="{BB962C8B-B14F-4D97-AF65-F5344CB8AC3E}">
-        <p14:creationId xmlns:p14="http://schemas.microsoft.com/office/powerpoint/2010/main" val="2643689593"/>
+        <p14:creationId xmlns:p14="http://schemas.microsoft.com/office/powerpoint/2010/main" xmlns="" val="2643689593"/>
       </p:ext>
     </p:extLst>
   </p:cSld>
@@ -4565,7 +4679,7 @@
     </a:clrScheme>
     <a:fontScheme name="Dividend">
       <a:majorFont>
-        <a:latin typeface="Avenir Next LT Pro" panose="020B0502020104020203"/>
+        <a:latin typeface="Avenir Next LT Pro"/>
         <a:ea typeface=""/>
         <a:cs typeface=""/>
         <a:font script="Grek" typeface="Corbel"/>
@@ -4602,7 +4716,7 @@
         <a:font script="Geor" typeface="Sylfaen"/>
       </a:majorFont>
       <a:minorFont>
-        <a:latin typeface="Avenir Next LT Pro" panose="020B0502020104020203"/>
+        <a:latin typeface="Avenir Next LT Pro"/>
         <a:ea typeface=""/>
         <a:cs typeface=""/>
         <a:font script="Grek" typeface="Corbel"/>
@@ -4785,7 +4899,7 @@
   <a:extraClrSchemeLst/>
   <a:extLst>
     <a:ext uri="{05A4C25C-085E-4340-85A3-A5531E510DB2}">
-      <thm15:themeFamily xmlns:thm15="http://schemas.microsoft.com/office/thememl/2012/main" name="DividendVTI" id="{97558BDE-0B66-457C-BB6F-7B1B22DAA9B8}" vid="{F53508A3-AC60-448A-AF37-934D5F1A0D5E}"/>
+      <thm15:themeFamily xmlns:thm15="http://schemas.microsoft.com/office/thememl/2012/main" xmlns="" name="DividendVTI" id="{97558BDE-0B66-457C-BB6F-7B1B22DAA9B8}" vid="{F53508A3-AC60-448A-AF37-934D5F1A0D5E}"/>
     </a:ext>
   </a:extLst>
 </a:theme>

--- a/pt_ppt.pptx
+++ b/pt_ppt.pptx
@@ -9,7 +9,8 @@
     <p:sldId id="257" r:id="rId3"/>
     <p:sldId id="258" r:id="rId4"/>
     <p:sldId id="273" r:id="rId5"/>
-    <p:sldId id="272" r:id="rId6"/>
+    <p:sldId id="274" r:id="rId6"/>
+    <p:sldId id="272" r:id="rId7"/>
   </p:sldIdLst>
   <p:sldSz cx="12192000" cy="6858000"/>
   <p:notesSz cx="6858000" cy="9144000"/>
@@ -4150,7 +4151,7 @@
           <a:p>
             <a:r>
               <a:rPr lang="en-IN" dirty="0"/>
-              <a:t>Problem Statement:</a:t>
+              <a:t>Product Scope:</a:t>
             </a:r>
             <a:endParaRPr lang="kn-IN" dirty="0"/>
           </a:p>
@@ -4187,37 +4188,26 @@
           <a:p>
             <a:r>
               <a:rPr lang="en-US" sz="2000" dirty="0"/>
-              <a:t>As a general rule long term investments yield more profits.</a:t>
+              <a:t>People tend to invest their money in multiple financial institutions because depositing all the saved money in same investment platform may involve risk of losing the money and investing in different platform also gives them tax concessions.</a:t>
             </a:r>
           </a:p>
           <a:p>
             <a:r>
               <a:rPr lang="en-US" sz="2000" dirty="0"/>
-              <a:t>People tend to invest there money in more than one organization or bank because depositing all the saved money in same bank or same investment platform may involve risk of losing the money and investing in different platform also gives them tax concessions.</a:t>
+              <a:t>People invest in FD’s </a:t>
             </a:r>
           </a:p>
           <a:p>
             <a:r>
               <a:rPr lang="en-US" sz="2000" dirty="0"/>
-              <a:t>Because of this it is difficult for the user to keep track of there deposits and investments.</a:t>
+              <a:t>Because of this it is difficult for the user to keep track of their deposits and investments.</a:t>
             </a:r>
           </a:p>
           <a:p>
             <a:r>
               <a:rPr lang="en-US" sz="2000" dirty="0"/>
-              <a:t>Atal pension yojana by government of </a:t>
-            </a:r>
-            <a:r>
-              <a:rPr lang="en-US" sz="2000" dirty="0" err="1"/>
-              <a:t>india</a:t>
-            </a:r>
-            <a:r>
-              <a:rPr lang="en-US" sz="2000" dirty="0"/>
-              <a:t>.</a:t>
-            </a:r>
-          </a:p>
-          <a:p>
-            <a:endParaRPr lang="en-US" sz="2000" dirty="0"/>
+              <a:t>Different government policies like Atal pension yojana have small investment amount and longer maturity time.</a:t>
+            </a:r>
           </a:p>
           <a:p>
             <a:endParaRPr lang="kn-IN" sz="2000" dirty="0"/>
@@ -4313,13 +4303,13 @@
           <a:p>
             <a:r>
               <a:rPr lang="en-US" sz="2400" dirty="0"/>
-              <a:t>Users can set periodic reminders based on there requirement.</a:t>
+              <a:t>Users can set periodic reminders based on their requirement.</a:t>
             </a:r>
           </a:p>
           <a:p>
             <a:r>
               <a:rPr lang="en-US" sz="2400" dirty="0"/>
-              <a:t>They can also store image of the bond which they will provided while depositing the money or any related image.</a:t>
+              <a:t>They can also store images like bonds related to the reminder.</a:t>
             </a:r>
           </a:p>
           <a:p>
@@ -4368,31 +4358,6 @@
       </p:grpSpPr>
       <p:sp>
         <p:nvSpPr>
-          <p:cNvPr id="2" name="Title 1">
-            <a:extLst>
-              <a:ext uri="{FF2B5EF4-FFF2-40B4-BE49-F238E27FC236}">
-                <a16:creationId xmlns:a16="http://schemas.microsoft.com/office/drawing/2014/main" id="{C07D1DD5-8AFA-481A-A61A-117D8E248FE5}"/>
-              </a:ext>
-            </a:extLst>
-          </p:cNvPr>
-          <p:cNvSpPr>
-            <a:spLocks noGrp="1"/>
-          </p:cNvSpPr>
-          <p:nvPr>
-            <p:ph type="title"/>
-          </p:nvPr>
-        </p:nvSpPr>
-        <p:spPr/>
-        <p:txBody>
-          <a:bodyPr/>
-          <a:lstStyle/>
-          <a:p>
-            <a:endParaRPr lang="kn-IN" dirty="0"/>
-          </a:p>
-        </p:txBody>
-      </p:sp>
-      <p:sp>
-        <p:nvSpPr>
           <p:cNvPr id="3" name="Content Placeholder 2">
             <a:extLst>
               <a:ext uri="{FF2B5EF4-FFF2-40B4-BE49-F238E27FC236}">
@@ -4414,7 +4379,7 @@
           <a:p>
             <a:r>
               <a:rPr lang="en-US" dirty="0"/>
-              <a:t>We have used incremental model to develop the app.</a:t>
+              <a:t>incremental model.</a:t>
             </a:r>
           </a:p>
           <a:p>
@@ -4440,7 +4405,7 @@
           <a:p>
             <a:r>
               <a:rPr lang="en-US" dirty="0"/>
-              <a:t>Android Studio.</a:t>
+              <a:t>Android Studio and JAVA.</a:t>
             </a:r>
           </a:p>
           <a:p>
@@ -4468,6 +4433,90 @@
 </file>
 
 <file path=ppt/slides/slide5.xml><?xml version="1.0" encoding="utf-8"?>
+<p:sld xmlns:a="http://schemas.openxmlformats.org/drawingml/2006/main" xmlns:r="http://schemas.openxmlformats.org/officeDocument/2006/relationships" xmlns:p="http://schemas.openxmlformats.org/presentationml/2006/main">
+  <p:cSld>
+    <p:spTree>
+      <p:nvGrpSpPr>
+        <p:cNvPr id="1" name=""/>
+        <p:cNvGrpSpPr/>
+        <p:nvPr/>
+      </p:nvGrpSpPr>
+      <p:grpSpPr>
+        <a:xfrm>
+          <a:off x="0" y="0"/>
+          <a:ext cx="0" cy="0"/>
+          <a:chOff x="0" y="0"/>
+          <a:chExt cx="0" cy="0"/>
+        </a:xfrm>
+      </p:grpSpPr>
+      <p:sp>
+        <p:nvSpPr>
+          <p:cNvPr id="2" name="Title 1">
+            <a:extLst>
+              <a:ext uri="{FF2B5EF4-FFF2-40B4-BE49-F238E27FC236}">
+                <a16:creationId xmlns:a16="http://schemas.microsoft.com/office/drawing/2014/main" id="{641496CA-57DE-4A1A-B2CD-F9F85A50B64D}"/>
+              </a:ext>
+            </a:extLst>
+          </p:cNvPr>
+          <p:cNvSpPr>
+            <a:spLocks noGrp="1"/>
+          </p:cNvSpPr>
+          <p:nvPr>
+            <p:ph type="title"/>
+          </p:nvPr>
+        </p:nvSpPr>
+        <p:spPr/>
+        <p:txBody>
+          <a:bodyPr/>
+          <a:lstStyle/>
+          <a:p>
+            <a:r>
+              <a:rPr lang="en-US" dirty="0"/>
+              <a:t>FUTURE SCOPE</a:t>
+            </a:r>
+            <a:endParaRPr lang="kn-IN" dirty="0"/>
+          </a:p>
+        </p:txBody>
+      </p:sp>
+      <p:sp>
+        <p:nvSpPr>
+          <p:cNvPr id="3" name="Content Placeholder 2">
+            <a:extLst>
+              <a:ext uri="{FF2B5EF4-FFF2-40B4-BE49-F238E27FC236}">
+                <a16:creationId xmlns:a16="http://schemas.microsoft.com/office/drawing/2014/main" id="{3DD7687F-299E-4AA0-92FA-B7C4DA4EC790}"/>
+              </a:ext>
+            </a:extLst>
+          </p:cNvPr>
+          <p:cNvSpPr>
+            <a:spLocks noGrp="1"/>
+          </p:cNvSpPr>
+          <p:nvPr>
+            <p:ph idx="1"/>
+          </p:nvPr>
+        </p:nvSpPr>
+        <p:spPr/>
+        <p:txBody>
+          <a:bodyPr/>
+          <a:lstStyle/>
+          <a:p>
+            <a:endParaRPr lang="kn-IN"/>
+          </a:p>
+        </p:txBody>
+      </p:sp>
+    </p:spTree>
+    <p:extLst>
+      <p:ext uri="{BB962C8B-B14F-4D97-AF65-F5344CB8AC3E}">
+        <p14:creationId xmlns:p14="http://schemas.microsoft.com/office/powerpoint/2010/main" val="3896178327"/>
+      </p:ext>
+    </p:extLst>
+  </p:cSld>
+  <p:clrMapOvr>
+    <a:masterClrMapping/>
+  </p:clrMapOvr>
+</p:sld>
+</file>
+
+<file path=ppt/slides/slide6.xml><?xml version="1.0" encoding="utf-8"?>
 <p:sld xmlns:a="http://schemas.openxmlformats.org/drawingml/2006/main" xmlns:r="http://schemas.openxmlformats.org/officeDocument/2006/relationships" xmlns:p="http://schemas.openxmlformats.org/presentationml/2006/main">
   <p:cSld>
     <p:spTree>

--- a/pt_ppt.pptx
+++ b/pt_ppt.pptx
@@ -111,7 +111,7 @@
   </p:defaultTextStyle>
   <p:extLst>
     <p:ext uri="{EFAFB233-063F-42B5-8137-9DF3F51BA10A}">
-      <p15:sldGuideLst xmlns:p15="http://schemas.microsoft.com/office/powerpoint/2012/main"/>
+      <p15:sldGuideLst xmlns:p15="http://schemas.microsoft.com/office/powerpoint/2012/main" xmlns=""/>
     </p:ext>
   </p:extLst>
 </p:presentation>
@@ -337,7 +337,7 @@
           <p:cNvPr id="8" name="Date Placeholder 7">
             <a:extLst>
               <a:ext uri="{FF2B5EF4-FFF2-40B4-BE49-F238E27FC236}">
-                <a16:creationId xmlns:a16="http://schemas.microsoft.com/office/drawing/2014/main" id="{7FA0ACE7-29A8-47D3-A7D9-257B711D8023}"/>
+                <a16:creationId xmlns:a16="http://schemas.microsoft.com/office/drawing/2014/main" xmlns="" id="{7FA0ACE7-29A8-47D3-A7D9-257B711D8023}"/>
               </a:ext>
             </a:extLst>
           </p:cNvPr>
@@ -355,7 +355,8 @@
           <a:p>
             <a:fld id="{ED291B17-9318-49DB-B28B-6E5994AE9581}" type="datetime1">
               <a:rPr lang="en-US" smtClean="0"/>
-              <a:t>5/13/2020</a:t>
+              <a:pPr/>
+              <a:t>5/14/2020</a:t>
             </a:fld>
             <a:endParaRPr lang="en-US" dirty="0"/>
           </a:p>
@@ -366,7 +367,7 @@
           <p:cNvPr id="9" name="Footer Placeholder 8">
             <a:extLst>
               <a:ext uri="{FF2B5EF4-FFF2-40B4-BE49-F238E27FC236}">
-                <a16:creationId xmlns:a16="http://schemas.microsoft.com/office/drawing/2014/main" id="{DEC604B9-52E9-4810-8359-47206518D038}"/>
+                <a16:creationId xmlns:a16="http://schemas.microsoft.com/office/drawing/2014/main" xmlns="" id="{DEC604B9-52E9-4810-8359-47206518D038}"/>
               </a:ext>
             </a:extLst>
           </p:cNvPr>
@@ -391,7 +392,7 @@
           <p:cNvPr id="10" name="Slide Number Placeholder 9">
             <a:extLst>
               <a:ext uri="{FF2B5EF4-FFF2-40B4-BE49-F238E27FC236}">
-                <a16:creationId xmlns:a16="http://schemas.microsoft.com/office/drawing/2014/main" id="{5898A89F-CA25-400F-B05A-AECBF2517E4F}"/>
+                <a16:creationId xmlns:a16="http://schemas.microsoft.com/office/drawing/2014/main" xmlns="" id="{5898A89F-CA25-400F-B05A-AECBF2517E4F}"/>
               </a:ext>
             </a:extLst>
           </p:cNvPr>
@@ -409,6 +410,7 @@
           <a:p>
             <a:fld id="{3A98EE3D-8CD1-4C3F-BD1C-C98C9596463C}" type="slidenum">
               <a:rPr lang="en-US" smtClean="0"/>
+              <a:pPr/>
               <a:t>‹#›</a:t>
             </a:fld>
             <a:endParaRPr lang="en-US" dirty="0"/>
@@ -418,7 +420,7 @@
     </p:spTree>
     <p:extLst>
       <p:ext uri="{BB962C8B-B14F-4D97-AF65-F5344CB8AC3E}">
-        <p14:creationId xmlns:p14="http://schemas.microsoft.com/office/powerpoint/2010/main" val="1689346634"/>
+        <p14:creationId xmlns:p14="http://schemas.microsoft.com/office/powerpoint/2010/main" xmlns="" val="1689346634"/>
       </p:ext>
     </p:extLst>
   </p:cSld>
@@ -558,7 +560,8 @@
           <a:p>
             <a:fld id="{2CED4963-E985-44C4-B8C4-FDD613B7C2F8}" type="datetime1">
               <a:rPr lang="en-US" smtClean="0"/>
-              <a:t>5/13/2020</a:t>
+              <a:pPr/>
+              <a:t>5/14/2020</a:t>
             </a:fld>
             <a:endParaRPr lang="en-US" dirty="0"/>
           </a:p>
@@ -600,6 +603,7 @@
           <a:p>
             <a:fld id="{3A98EE3D-8CD1-4C3F-BD1C-C98C9596463C}" type="slidenum">
               <a:rPr lang="en-US" smtClean="0"/>
+              <a:pPr/>
               <a:t>‹#›</a:t>
             </a:fld>
             <a:endParaRPr lang="en-US" dirty="0"/>
@@ -609,7 +613,7 @@
     </p:spTree>
     <p:extLst>
       <p:ext uri="{BB962C8B-B14F-4D97-AF65-F5344CB8AC3E}">
-        <p14:creationId xmlns:p14="http://schemas.microsoft.com/office/powerpoint/2010/main" val="1023611765"/>
+        <p14:creationId xmlns:p14="http://schemas.microsoft.com/office/powerpoint/2010/main" xmlns="" val="1023611765"/>
       </p:ext>
     </p:extLst>
   </p:cSld>
@@ -773,7 +777,7 @@
           <p:cNvPr id="8" name="Rectangle 7">
             <a:extLst>
               <a:ext uri="{FF2B5EF4-FFF2-40B4-BE49-F238E27FC236}">
-                <a16:creationId xmlns:a16="http://schemas.microsoft.com/office/drawing/2014/main" id="{F6423B97-A5D4-47B9-8861-73B3707A04CF}"/>
+                <a16:creationId xmlns:a16="http://schemas.microsoft.com/office/drawing/2014/main" xmlns="" id="{F6423B97-A5D4-47B9-8861-73B3707A04CF}"/>
               </a:ext>
             </a:extLst>
           </p:cNvPr>
@@ -816,7 +820,7 @@
           <p:cNvPr id="9" name="Rectangle 8">
             <a:extLst>
               <a:ext uri="{FF2B5EF4-FFF2-40B4-BE49-F238E27FC236}">
-                <a16:creationId xmlns:a16="http://schemas.microsoft.com/office/drawing/2014/main" id="{1AEC0421-37B4-4481-A10D-69FDF5EC7909}"/>
+                <a16:creationId xmlns:a16="http://schemas.microsoft.com/office/drawing/2014/main" xmlns="" id="{1AEC0421-37B4-4481-A10D-69FDF5EC7909}"/>
               </a:ext>
             </a:extLst>
           </p:cNvPr>
@@ -859,7 +863,7 @@
           <p:cNvPr id="10" name="Rectangle 9">
             <a:extLst>
               <a:ext uri="{FF2B5EF4-FFF2-40B4-BE49-F238E27FC236}">
-                <a16:creationId xmlns:a16="http://schemas.microsoft.com/office/drawing/2014/main" id="{5F7265B5-9F97-4F1E-99E9-74F7B7E62337}"/>
+                <a16:creationId xmlns:a16="http://schemas.microsoft.com/office/drawing/2014/main" xmlns="" id="{5F7265B5-9F97-4F1E-99E9-74F7B7E62337}"/>
               </a:ext>
             </a:extLst>
           </p:cNvPr>
@@ -902,7 +906,7 @@
           <p:cNvPr id="11" name="Date Placeholder 10">
             <a:extLst>
               <a:ext uri="{FF2B5EF4-FFF2-40B4-BE49-F238E27FC236}">
-                <a16:creationId xmlns:a16="http://schemas.microsoft.com/office/drawing/2014/main" id="{5C74A470-3BD3-4F33-80E5-67E6E87FCBE7}"/>
+                <a16:creationId xmlns:a16="http://schemas.microsoft.com/office/drawing/2014/main" xmlns="" id="{5C74A470-3BD3-4F33-80E5-67E6E87FCBE7}"/>
               </a:ext>
             </a:extLst>
           </p:cNvPr>
@@ -920,7 +924,8 @@
           <a:p>
             <a:fld id="{ED291B17-9318-49DB-B28B-6E5994AE9581}" type="datetime1">
               <a:rPr lang="en-US" smtClean="0"/>
-              <a:t>5/13/2020</a:t>
+              <a:pPr/>
+              <a:t>5/14/2020</a:t>
             </a:fld>
             <a:endParaRPr lang="en-US" dirty="0"/>
           </a:p>
@@ -931,7 +936,7 @@
           <p:cNvPr id="12" name="Footer Placeholder 11">
             <a:extLst>
               <a:ext uri="{FF2B5EF4-FFF2-40B4-BE49-F238E27FC236}">
-                <a16:creationId xmlns:a16="http://schemas.microsoft.com/office/drawing/2014/main" id="{9A3A30BA-DB50-4D7D-BCDE-17D20FB354DF}"/>
+                <a16:creationId xmlns:a16="http://schemas.microsoft.com/office/drawing/2014/main" xmlns="" id="{9A3A30BA-DB50-4D7D-BCDE-17D20FB354DF}"/>
               </a:ext>
             </a:extLst>
           </p:cNvPr>
@@ -956,7 +961,7 @@
           <p:cNvPr id="13" name="Slide Number Placeholder 12">
             <a:extLst>
               <a:ext uri="{FF2B5EF4-FFF2-40B4-BE49-F238E27FC236}">
-                <a16:creationId xmlns:a16="http://schemas.microsoft.com/office/drawing/2014/main" id="{76FF9E58-C0B2-436B-A21C-DB45A00D6515}"/>
+                <a16:creationId xmlns:a16="http://schemas.microsoft.com/office/drawing/2014/main" xmlns="" id="{76FF9E58-C0B2-436B-A21C-DB45A00D6515}"/>
               </a:ext>
             </a:extLst>
           </p:cNvPr>
@@ -974,6 +979,7 @@
           <a:p>
             <a:fld id="{3A98EE3D-8CD1-4C3F-BD1C-C98C9596463C}" type="slidenum">
               <a:rPr lang="en-US" smtClean="0"/>
+              <a:pPr/>
               <a:t>‹#›</a:t>
             </a:fld>
             <a:endParaRPr lang="en-US" dirty="0"/>
@@ -983,7 +989,7 @@
     </p:spTree>
     <p:extLst>
       <p:ext uri="{BB962C8B-B14F-4D97-AF65-F5344CB8AC3E}">
-        <p14:creationId xmlns:p14="http://schemas.microsoft.com/office/powerpoint/2010/main" val="3783975248"/>
+        <p14:creationId xmlns:p14="http://schemas.microsoft.com/office/powerpoint/2010/main" xmlns="" val="3783975248"/>
       </p:ext>
     </p:extLst>
   </p:cSld>
@@ -1100,7 +1106,7 @@
           <p:cNvPr id="8" name="Date Placeholder 7">
             <a:extLst>
               <a:ext uri="{FF2B5EF4-FFF2-40B4-BE49-F238E27FC236}">
-                <a16:creationId xmlns:a16="http://schemas.microsoft.com/office/drawing/2014/main" id="{770E6237-3456-439F-802D-3BA93FC7E3E5}"/>
+                <a16:creationId xmlns:a16="http://schemas.microsoft.com/office/drawing/2014/main" xmlns="" id="{770E6237-3456-439F-802D-3BA93FC7E3E5}"/>
               </a:ext>
             </a:extLst>
           </p:cNvPr>
@@ -1118,7 +1124,8 @@
           <a:p>
             <a:fld id="{78DD82B9-B8EE-4375-B6FF-88FA6ABB15D9}" type="datetime1">
               <a:rPr lang="en-US" smtClean="0"/>
-              <a:t>5/13/2020</a:t>
+              <a:pPr/>
+              <a:t>5/14/2020</a:t>
             </a:fld>
             <a:endParaRPr lang="en-US" dirty="0"/>
           </a:p>
@@ -1129,7 +1136,7 @@
           <p:cNvPr id="9" name="Footer Placeholder 8">
             <a:extLst>
               <a:ext uri="{FF2B5EF4-FFF2-40B4-BE49-F238E27FC236}">
-                <a16:creationId xmlns:a16="http://schemas.microsoft.com/office/drawing/2014/main" id="{1356D3B5-6063-4A89-B88F-9D3043916FF8}"/>
+                <a16:creationId xmlns:a16="http://schemas.microsoft.com/office/drawing/2014/main" xmlns="" id="{1356D3B5-6063-4A89-B88F-9D3043916FF8}"/>
               </a:ext>
             </a:extLst>
           </p:cNvPr>
@@ -1154,7 +1161,7 @@
           <p:cNvPr id="10" name="Slide Number Placeholder 9">
             <a:extLst>
               <a:ext uri="{FF2B5EF4-FFF2-40B4-BE49-F238E27FC236}">
-                <a16:creationId xmlns:a16="http://schemas.microsoft.com/office/drawing/2014/main" id="{02B78BF7-69D3-4CE0-A631-50EFD41EEEB8}"/>
+                <a16:creationId xmlns:a16="http://schemas.microsoft.com/office/drawing/2014/main" xmlns="" id="{02B78BF7-69D3-4CE0-A631-50EFD41EEEB8}"/>
               </a:ext>
             </a:extLst>
           </p:cNvPr>
@@ -1172,6 +1179,7 @@
           <a:p>
             <a:fld id="{3A98EE3D-8CD1-4C3F-BD1C-C98C9596463C}" type="slidenum">
               <a:rPr lang="en-US" smtClean="0"/>
+              <a:pPr/>
               <a:t>‹#›</a:t>
             </a:fld>
             <a:endParaRPr lang="en-US" dirty="0"/>
@@ -1181,7 +1189,7 @@
     </p:spTree>
     <p:extLst>
       <p:ext uri="{BB962C8B-B14F-4D97-AF65-F5344CB8AC3E}">
-        <p14:creationId xmlns:p14="http://schemas.microsoft.com/office/powerpoint/2010/main" val="1616673053"/>
+        <p14:creationId xmlns:p14="http://schemas.microsoft.com/office/powerpoint/2010/main" xmlns="" val="1616673053"/>
       </p:ext>
     </p:extLst>
   </p:cSld>
@@ -1412,7 +1420,7 @@
           <p:cNvPr id="7" name="Date Placeholder 6">
             <a:extLst>
               <a:ext uri="{FF2B5EF4-FFF2-40B4-BE49-F238E27FC236}">
-                <a16:creationId xmlns:a16="http://schemas.microsoft.com/office/drawing/2014/main" id="{61582016-5696-4A93-887F-BBB3B9002FE5}"/>
+                <a16:creationId xmlns:a16="http://schemas.microsoft.com/office/drawing/2014/main" xmlns="" id="{61582016-5696-4A93-887F-BBB3B9002FE5}"/>
               </a:ext>
             </a:extLst>
           </p:cNvPr>
@@ -1430,7 +1438,8 @@
           <a:p>
             <a:fld id="{B2497495-0637-405E-AE64-5CC7506D51F5}" type="datetime1">
               <a:rPr lang="en-US" smtClean="0"/>
-              <a:t>5/13/2020</a:t>
+              <a:pPr/>
+              <a:t>5/14/2020</a:t>
             </a:fld>
             <a:endParaRPr lang="en-US" dirty="0"/>
           </a:p>
@@ -1441,7 +1450,7 @@
           <p:cNvPr id="9" name="Footer Placeholder 8">
             <a:extLst>
               <a:ext uri="{FF2B5EF4-FFF2-40B4-BE49-F238E27FC236}">
-                <a16:creationId xmlns:a16="http://schemas.microsoft.com/office/drawing/2014/main" id="{857CFCD5-1192-4E18-8A8F-29E153B44DA4}"/>
+                <a16:creationId xmlns:a16="http://schemas.microsoft.com/office/drawing/2014/main" xmlns="" id="{857CFCD5-1192-4E18-8A8F-29E153B44DA4}"/>
               </a:ext>
             </a:extLst>
           </p:cNvPr>
@@ -1466,7 +1475,7 @@
           <p:cNvPr id="10" name="Slide Number Placeholder 9">
             <a:extLst>
               <a:ext uri="{FF2B5EF4-FFF2-40B4-BE49-F238E27FC236}">
-                <a16:creationId xmlns:a16="http://schemas.microsoft.com/office/drawing/2014/main" id="{E39A109E-5018-4794-92B3-FD5E5BCD95E8}"/>
+                <a16:creationId xmlns:a16="http://schemas.microsoft.com/office/drawing/2014/main" xmlns="" id="{E39A109E-5018-4794-92B3-FD5E5BCD95E8}"/>
               </a:ext>
             </a:extLst>
           </p:cNvPr>
@@ -1484,6 +1493,7 @@
           <a:p>
             <a:fld id="{3A98EE3D-8CD1-4C3F-BD1C-C98C9596463C}" type="slidenum">
               <a:rPr lang="en-US" smtClean="0"/>
+              <a:pPr/>
               <a:t>‹#›</a:t>
             </a:fld>
             <a:endParaRPr lang="en-US" dirty="0"/>
@@ -1493,7 +1503,7 @@
     </p:spTree>
     <p:extLst>
       <p:ext uri="{BB962C8B-B14F-4D97-AF65-F5344CB8AC3E}">
-        <p14:creationId xmlns:p14="http://schemas.microsoft.com/office/powerpoint/2010/main" val="1171781761"/>
+        <p14:creationId xmlns:p14="http://schemas.microsoft.com/office/powerpoint/2010/main" xmlns="" val="1171781761"/>
       </p:ext>
     </p:extLst>
   </p:cSld>
@@ -1683,7 +1693,8 @@
           <a:p>
             <a:fld id="{7BFFD690-9426-415D-8B65-26881E07B2D4}" type="datetime1">
               <a:rPr lang="en-US" smtClean="0"/>
-              <a:t>5/13/2020</a:t>
+              <a:pPr/>
+              <a:t>5/14/2020</a:t>
             </a:fld>
             <a:endParaRPr lang="en-US" dirty="0"/>
           </a:p>
@@ -1725,6 +1736,7 @@
           <a:p>
             <a:fld id="{3A98EE3D-8CD1-4C3F-BD1C-C98C9596463C}" type="slidenum">
               <a:rPr lang="en-US" smtClean="0"/>
+              <a:pPr/>
               <a:t>‹#›</a:t>
             </a:fld>
             <a:endParaRPr lang="en-US" dirty="0"/>
@@ -1734,7 +1746,7 @@
     </p:spTree>
     <p:extLst>
       <p:ext uri="{BB962C8B-B14F-4D97-AF65-F5344CB8AC3E}">
-        <p14:creationId xmlns:p14="http://schemas.microsoft.com/office/powerpoint/2010/main" val="1720844098"/>
+        <p14:creationId xmlns:p14="http://schemas.microsoft.com/office/powerpoint/2010/main" xmlns="" val="1720844098"/>
       </p:ext>
     </p:extLst>
   </p:cSld>
@@ -2105,7 +2117,8 @@
           <a:p>
             <a:fld id="{04C4989A-474C-40DE-95B9-011C28B71673}" type="datetime1">
               <a:rPr lang="en-US" smtClean="0"/>
-              <a:t>5/13/2020</a:t>
+              <a:pPr/>
+              <a:t>5/14/2020</a:t>
             </a:fld>
             <a:endParaRPr lang="en-US" dirty="0"/>
           </a:p>
@@ -2147,6 +2160,7 @@
           <a:p>
             <a:fld id="{3A98EE3D-8CD1-4C3F-BD1C-C98C9596463C}" type="slidenum">
               <a:rPr lang="en-US" smtClean="0"/>
+              <a:pPr/>
               <a:t>‹#›</a:t>
             </a:fld>
             <a:endParaRPr lang="en-US" dirty="0"/>
@@ -2156,7 +2170,7 @@
     </p:spTree>
     <p:extLst>
       <p:ext uri="{BB962C8B-B14F-4D97-AF65-F5344CB8AC3E}">
-        <p14:creationId xmlns:p14="http://schemas.microsoft.com/office/powerpoint/2010/main" val="643050465"/>
+        <p14:creationId xmlns:p14="http://schemas.microsoft.com/office/powerpoint/2010/main" xmlns="" val="643050465"/>
       </p:ext>
     </p:extLst>
   </p:cSld>
@@ -2228,7 +2242,8 @@
           <a:p>
             <a:fld id="{5DB4ED54-5B5E-4A04-93D3-5772E3CE3818}" type="datetime1">
               <a:rPr lang="en-US" smtClean="0"/>
-              <a:t>5/13/2020</a:t>
+              <a:pPr/>
+              <a:t>5/14/2020</a:t>
             </a:fld>
             <a:endParaRPr lang="en-US" dirty="0"/>
           </a:p>
@@ -2270,6 +2285,7 @@
           <a:p>
             <a:fld id="{3A98EE3D-8CD1-4C3F-BD1C-C98C9596463C}" type="slidenum">
               <a:rPr lang="en-US" smtClean="0"/>
+              <a:pPr/>
               <a:t>‹#›</a:t>
             </a:fld>
             <a:endParaRPr lang="en-US" dirty="0"/>
@@ -2279,7 +2295,7 @@
     </p:spTree>
     <p:extLst>
       <p:ext uri="{BB962C8B-B14F-4D97-AF65-F5344CB8AC3E}">
-        <p14:creationId xmlns:p14="http://schemas.microsoft.com/office/powerpoint/2010/main" val="4197245474"/>
+        <p14:creationId xmlns:p14="http://schemas.microsoft.com/office/powerpoint/2010/main" xmlns="" val="4197245474"/>
       </p:ext>
     </p:extLst>
   </p:cSld>
@@ -2323,7 +2339,8 @@
           <a:p>
             <a:fld id="{4EDE50D6-574B-40AF-946F-D52A04ADE379}" type="datetime1">
               <a:rPr lang="en-US" smtClean="0"/>
-              <a:t>5/13/2020</a:t>
+              <a:pPr/>
+              <a:t>5/14/2020</a:t>
             </a:fld>
             <a:endParaRPr lang="en-US" dirty="0"/>
           </a:p>
@@ -2365,6 +2382,7 @@
           <a:p>
             <a:fld id="{3A98EE3D-8CD1-4C3F-BD1C-C98C9596463C}" type="slidenum">
               <a:rPr lang="en-US" smtClean="0"/>
+              <a:pPr/>
               <a:t>‹#›</a:t>
             </a:fld>
             <a:endParaRPr lang="en-US" dirty="0"/>
@@ -2374,7 +2392,7 @@
     </p:spTree>
     <p:extLst>
       <p:ext uri="{BB962C8B-B14F-4D97-AF65-F5344CB8AC3E}">
-        <p14:creationId xmlns:p14="http://schemas.microsoft.com/office/powerpoint/2010/main" val="3477419110"/>
+        <p14:creationId xmlns:p14="http://schemas.microsoft.com/office/powerpoint/2010/main" xmlns="" val="3477419110"/>
       </p:ext>
     </p:extLst>
   </p:cSld>
@@ -2677,7 +2695,7 @@
           <p:cNvPr id="8" name="Date Placeholder 7">
             <a:extLst>
               <a:ext uri="{FF2B5EF4-FFF2-40B4-BE49-F238E27FC236}">
-                <a16:creationId xmlns:a16="http://schemas.microsoft.com/office/drawing/2014/main" id="{0B919CC2-2A65-446F-B538-9E6249035445}"/>
+                <a16:creationId xmlns:a16="http://schemas.microsoft.com/office/drawing/2014/main" xmlns="" id="{0B919CC2-2A65-446F-B538-9E6249035445}"/>
               </a:ext>
             </a:extLst>
           </p:cNvPr>
@@ -2700,7 +2718,8 @@
           <a:p>
             <a:fld id="{D82884F1-FFEA-405F-9602-3DCA865EDA4E}" type="datetime1">
               <a:rPr lang="en-US" smtClean="0"/>
-              <a:t>5/13/2020</a:t>
+              <a:pPr/>
+              <a:t>5/14/2020</a:t>
             </a:fld>
             <a:endParaRPr lang="en-US" dirty="0"/>
           </a:p>
@@ -2711,7 +2730,7 @@
           <p:cNvPr id="10" name="Footer Placeholder 9">
             <a:extLst>
               <a:ext uri="{FF2B5EF4-FFF2-40B4-BE49-F238E27FC236}">
-                <a16:creationId xmlns:a16="http://schemas.microsoft.com/office/drawing/2014/main" id="{B72412AE-119E-4982-8B24-63365EFCA796}"/>
+                <a16:creationId xmlns:a16="http://schemas.microsoft.com/office/drawing/2014/main" xmlns="" id="{B72412AE-119E-4982-8B24-63365EFCA796}"/>
               </a:ext>
             </a:extLst>
           </p:cNvPr>
@@ -2741,7 +2760,7 @@
           <p:cNvPr id="11" name="Slide Number Placeholder 10">
             <a:extLst>
               <a:ext uri="{FF2B5EF4-FFF2-40B4-BE49-F238E27FC236}">
-                <a16:creationId xmlns:a16="http://schemas.microsoft.com/office/drawing/2014/main" id="{7FC4BB19-6AD1-45CF-9F99-00B109890FAB}"/>
+                <a16:creationId xmlns:a16="http://schemas.microsoft.com/office/drawing/2014/main" xmlns="" id="{7FC4BB19-6AD1-45CF-9F99-00B109890FAB}"/>
               </a:ext>
             </a:extLst>
           </p:cNvPr>
@@ -2774,7 +2793,7 @@
     </p:spTree>
     <p:extLst>
       <p:ext uri="{BB962C8B-B14F-4D97-AF65-F5344CB8AC3E}">
-        <p14:creationId xmlns:p14="http://schemas.microsoft.com/office/powerpoint/2010/main" val="1782975784"/>
+        <p14:creationId xmlns:p14="http://schemas.microsoft.com/office/powerpoint/2010/main" xmlns="" val="1782975784"/>
       </p:ext>
     </p:extLst>
   </p:cSld>
@@ -2902,10 +2921,9 @@
           </a:lstStyle>
           <a:p>
             <a:r>
-              <a:rPr lang="en-US"/>
+              <a:rPr lang="en-US" dirty="0"/>
               <a:t>Click icon to add picture</a:t>
             </a:r>
-            <a:endParaRPr lang="en-US" dirty="0"/>
           </a:p>
         </p:txBody>
       </p:sp>
@@ -2993,7 +3011,8 @@
           <a:p>
             <a:fld id="{7E18DB4A-8810-4A10-AD5C-D5E2C667F5B3}" type="datetime1">
               <a:rPr lang="en-US" smtClean="0"/>
-              <a:t>5/13/2020</a:t>
+              <a:pPr/>
+              <a:t>5/14/2020</a:t>
             </a:fld>
             <a:endParaRPr lang="en-US" dirty="0"/>
           </a:p>
@@ -3036,6 +3055,7 @@
           <a:p>
             <a:fld id="{3A98EE3D-8CD1-4C3F-BD1C-C98C9596463C}" type="slidenum">
               <a:rPr lang="en-US" smtClean="0"/>
+              <a:pPr/>
               <a:t>‹#›</a:t>
             </a:fld>
             <a:endParaRPr lang="en-US" dirty="0"/>
@@ -3045,7 +3065,7 @@
     </p:spTree>
     <p:extLst>
       <p:ext uri="{BB962C8B-B14F-4D97-AF65-F5344CB8AC3E}">
-        <p14:creationId xmlns:p14="http://schemas.microsoft.com/office/powerpoint/2010/main" val="2621351987"/>
+        <p14:creationId xmlns:p14="http://schemas.microsoft.com/office/powerpoint/2010/main" xmlns="" val="2621351987"/>
       </p:ext>
     </p:extLst>
   </p:cSld>
@@ -3208,7 +3228,8 @@
           <a:p>
             <a:fld id="{ED291B17-9318-49DB-B28B-6E5994AE9581}" type="datetime1">
               <a:rPr lang="en-US" smtClean="0"/>
-              <a:t>5/13/2020</a:t>
+              <a:pPr/>
+              <a:t>5/14/2020</a:t>
             </a:fld>
             <a:endParaRPr lang="en-US" dirty="0"/>
           </a:p>
@@ -3288,6 +3309,7 @@
           <a:p>
             <a:fld id="{3A98EE3D-8CD1-4C3F-BD1C-C98C9596463C}" type="slidenum">
               <a:rPr lang="en-US" smtClean="0"/>
+              <a:pPr/>
               <a:t>‹#›</a:t>
             </a:fld>
             <a:endParaRPr lang="en-US" dirty="0"/>
@@ -3408,7 +3430,7 @@
     </p:spTree>
     <p:extLst>
       <p:ext uri="{BB962C8B-B14F-4D97-AF65-F5344CB8AC3E}">
-        <p14:creationId xmlns:p14="http://schemas.microsoft.com/office/powerpoint/2010/main" val="518843926"/>
+        <p14:creationId xmlns:p14="http://schemas.microsoft.com/office/powerpoint/2010/main" xmlns="" val="518843926"/>
       </p:ext>
     </p:extLst>
   </p:cSld>
@@ -3853,10 +3875,10 @@
           <p:cNvPr id="12" name="Rectangle 8">
             <a:extLst>
               <a:ext uri="{FF2B5EF4-FFF2-40B4-BE49-F238E27FC236}">
-                <a16:creationId xmlns:a16="http://schemas.microsoft.com/office/drawing/2014/main" id="{26B4480E-B7FF-4481-890E-043A69AE6FE2}"/>
+                <a16:creationId xmlns:a16="http://schemas.microsoft.com/office/drawing/2014/main" xmlns="" id="{26B4480E-B7FF-4481-890E-043A69AE6FE2}"/>
               </a:ext>
               <a:ext uri="{C183D7F6-B498-43B3-948B-1728B52AA6E4}">
-                <adec:decorative xmlns:adec="http://schemas.microsoft.com/office/drawing/2017/decorative" val="1"/>
+                <adec:decorative xmlns:adec="http://schemas.microsoft.com/office/drawing/2017/decorative" xmlns="" val="1"/>
               </a:ext>
             </a:extLst>
           </p:cNvPr>
@@ -3866,7 +3888,7 @@
           <p:nvPr>
             <p:extLst>
               <p:ext uri="{386F3935-93C4-4BCD-93E2-E3B085C9AB24}">
-                <p16:designElem xmlns:p16="http://schemas.microsoft.com/office/powerpoint/2015/main" val="1"/>
+                <p16:designElem xmlns:p16="http://schemas.microsoft.com/office/powerpoint/2015/main" xmlns="" val="1"/>
               </p:ext>
             </p:extLst>
           </p:nvPr>
@@ -3904,7 +3926,7 @@
           <a:lstStyle/>
           <a:p>
             <a:pPr algn="ctr"/>
-            <a:endParaRPr lang="en-US"/>
+            <a:endParaRPr lang="en-US" dirty="0"/>
           </a:p>
         </p:txBody>
       </p:sp>
@@ -3913,7 +3935,7 @@
           <p:cNvPr id="14" name="Picture 3">
             <a:extLst>
               <a:ext uri="{FF2B5EF4-FFF2-40B4-BE49-F238E27FC236}">
-                <a16:creationId xmlns:a16="http://schemas.microsoft.com/office/drawing/2014/main" id="{8AFBA856-3A24-4BE7-ABB4-79AAA4B67D2A}"/>
+                <a16:creationId xmlns:a16="http://schemas.microsoft.com/office/drawing/2014/main" xmlns="" id="{8AFBA856-3A24-4BE7-ABB4-79AAA4B67D2A}"/>
               </a:ext>
             </a:extLst>
           </p:cNvPr>
@@ -3942,10 +3964,10 @@
           <p:cNvPr id="11" name="Rectangle 10">
             <a:extLst>
               <a:ext uri="{FF2B5EF4-FFF2-40B4-BE49-F238E27FC236}">
-                <a16:creationId xmlns:a16="http://schemas.microsoft.com/office/drawing/2014/main" id="{64C13BAB-7C00-4D21-A857-E3D41C0A2A66}"/>
+                <a16:creationId xmlns:a16="http://schemas.microsoft.com/office/drawing/2014/main" xmlns="" id="{64C13BAB-7C00-4D21-A857-E3D41C0A2A66}"/>
               </a:ext>
               <a:ext uri="{C183D7F6-B498-43B3-948B-1728B52AA6E4}">
-                <adec:decorative xmlns:adec="http://schemas.microsoft.com/office/drawing/2017/decorative" val="1"/>
+                <adec:decorative xmlns:adec="http://schemas.microsoft.com/office/drawing/2017/decorative" xmlns="" val="1"/>
               </a:ext>
             </a:extLst>
           </p:cNvPr>
@@ -3955,7 +3977,7 @@
           <p:nvPr>
             <p:extLst>
               <p:ext uri="{386F3935-93C4-4BCD-93E2-E3B085C9AB24}">
-                <p16:designElem xmlns:p16="http://schemas.microsoft.com/office/powerpoint/2015/main" val="1"/>
+                <p16:designElem xmlns:p16="http://schemas.microsoft.com/office/powerpoint/2015/main" xmlns="" val="1"/>
               </p:ext>
             </p:extLst>
           </p:nvPr>
@@ -3996,10 +4018,10 @@
           <p:cNvPr id="13" name="Rectangle 12">
             <a:extLst>
               <a:ext uri="{FF2B5EF4-FFF2-40B4-BE49-F238E27FC236}">
-                <a16:creationId xmlns:a16="http://schemas.microsoft.com/office/drawing/2014/main" id="{1F1FF39A-AC3C-4066-9D4C-519AA22812EA}"/>
+                <a16:creationId xmlns:a16="http://schemas.microsoft.com/office/drawing/2014/main" xmlns="" id="{1F1FF39A-AC3C-4066-9D4C-519AA22812EA}"/>
               </a:ext>
               <a:ext uri="{C183D7F6-B498-43B3-948B-1728B52AA6E4}">
-                <adec:decorative xmlns:adec="http://schemas.microsoft.com/office/drawing/2017/decorative" val="1"/>
+                <adec:decorative xmlns:adec="http://schemas.microsoft.com/office/drawing/2017/decorative" xmlns="" val="1"/>
               </a:ext>
             </a:extLst>
           </p:cNvPr>
@@ -4009,7 +4031,7 @@
           <p:nvPr>
             <p:extLst>
               <p:ext uri="{386F3935-93C4-4BCD-93E2-E3B085C9AB24}">
-                <p16:designElem xmlns:p16="http://schemas.microsoft.com/office/powerpoint/2015/main" val="1"/>
+                <p16:designElem xmlns:p16="http://schemas.microsoft.com/office/powerpoint/2015/main" xmlns="" val="1"/>
               </p:ext>
             </p:extLst>
           </p:nvPr>
@@ -4052,7 +4074,7 @@
           <p:cNvPr id="2" name="Title 1">
             <a:extLst>
               <a:ext uri="{FF2B5EF4-FFF2-40B4-BE49-F238E27FC236}">
-                <a16:creationId xmlns:a16="http://schemas.microsoft.com/office/drawing/2014/main" id="{014018EB-B0D4-44F6-92CD-380CD006D987}"/>
+                <a16:creationId xmlns:a16="http://schemas.microsoft.com/office/drawing/2014/main" xmlns="" id="{014018EB-B0D4-44F6-92CD-380CD006D987}"/>
               </a:ext>
             </a:extLst>
           </p:cNvPr>
@@ -4065,8 +4087,8 @@
         </p:nvSpPr>
         <p:spPr>
           <a:xfrm>
-            <a:off x="6096000" y="1524001"/>
-            <a:ext cx="5411211" cy="3478384"/>
+            <a:off x="5805055" y="1052946"/>
+            <a:ext cx="5411211" cy="1925781"/>
           </a:xfrm>
         </p:spPr>
         <p:txBody>
@@ -4098,10 +4120,68 @@
           </a:p>
         </p:txBody>
       </p:sp>
+      <p:sp>
+        <p:nvSpPr>
+          <p:cNvPr id="7" name="TextBox 6"/>
+          <p:cNvSpPr txBox="1"/>
+          <p:nvPr/>
+        </p:nvSpPr>
+        <p:spPr>
+          <a:xfrm>
+            <a:off x="512619" y="4294908"/>
+            <a:ext cx="3782290" cy="1077218"/>
+          </a:xfrm>
+          <a:prstGeom prst="rect">
+            <a:avLst/>
+          </a:prstGeom>
+          <a:noFill/>
+        </p:spPr>
+        <p:txBody>
+          <a:bodyPr wrap="square" rtlCol="0">
+            <a:spAutoFit/>
+          </a:bodyPr>
+          <a:lstStyle/>
+          <a:p>
+            <a:r>
+              <a:rPr lang="en-US" sz="2400" b="1" dirty="0" smtClean="0">
+                <a:solidFill>
+                  <a:schemeClr val="bg1"/>
+                </a:solidFill>
+              </a:rPr>
+              <a:t>Team members:</a:t>
+            </a:r>
+          </a:p>
+          <a:p>
+            <a:r>
+              <a:rPr lang="en-US" sz="2000" b="1" dirty="0" smtClean="0">
+                <a:solidFill>
+                  <a:schemeClr val="bg1"/>
+                </a:solidFill>
+              </a:rPr>
+              <a:t>Sindhura.L (01JST17IS050)</a:t>
+            </a:r>
+          </a:p>
+          <a:p>
+            <a:r>
+              <a:rPr lang="en-US" sz="2000" b="1" dirty="0" smtClean="0">
+                <a:solidFill>
+                  <a:schemeClr val="bg1"/>
+                </a:solidFill>
+              </a:rPr>
+              <a:t>Spoorthi.S (01JST17IS062)</a:t>
+            </a:r>
+            <a:endParaRPr lang="en-US" sz="2000" b="1" dirty="0">
+              <a:solidFill>
+                <a:schemeClr val="bg1"/>
+              </a:solidFill>
+            </a:endParaRPr>
+          </a:p>
+        </p:txBody>
+      </p:sp>
     </p:spTree>
     <p:extLst>
       <p:ext uri="{BB962C8B-B14F-4D97-AF65-F5344CB8AC3E}">
-        <p14:creationId xmlns:p14="http://schemas.microsoft.com/office/powerpoint/2010/main" val="4148727387"/>
+        <p14:creationId xmlns:p14="http://schemas.microsoft.com/office/powerpoint/2010/main" xmlns="" val="4148727387"/>
       </p:ext>
     </p:extLst>
   </p:cSld>
@@ -4133,7 +4213,7 @@
           <p:cNvPr id="2" name="Title 1">
             <a:extLst>
               <a:ext uri="{FF2B5EF4-FFF2-40B4-BE49-F238E27FC236}">
-                <a16:creationId xmlns:a16="http://schemas.microsoft.com/office/drawing/2014/main" id="{106E71CC-6BDE-457B-8059-02BC1D5EE395}"/>
+                <a16:creationId xmlns:a16="http://schemas.microsoft.com/office/drawing/2014/main" xmlns="" id="{106E71CC-6BDE-457B-8059-02BC1D5EE395}"/>
               </a:ext>
             </a:extLst>
           </p:cNvPr>
@@ -4162,7 +4242,7 @@
           <p:cNvPr id="3" name="Content Placeholder 2">
             <a:extLst>
               <a:ext uri="{FF2B5EF4-FFF2-40B4-BE49-F238E27FC236}">
-                <a16:creationId xmlns:a16="http://schemas.microsoft.com/office/drawing/2014/main" id="{1658DF85-6D4A-423E-8792-513E9464EB64}"/>
+                <a16:creationId xmlns:a16="http://schemas.microsoft.com/office/drawing/2014/main" xmlns="" id="{1658DF85-6D4A-423E-8792-513E9464EB64}"/>
               </a:ext>
             </a:extLst>
           </p:cNvPr>
@@ -4176,7 +4256,7 @@
         <p:spPr/>
         <p:txBody>
           <a:bodyPr>
-            <a:normAutofit/>
+            <a:normAutofit lnSpcReduction="10000"/>
           </a:bodyPr>
           <a:lstStyle/>
           <a:p>
@@ -4188,19 +4268,48 @@
           <a:p>
             <a:r>
               <a:rPr lang="en-US" sz="2000" dirty="0"/>
-              <a:t>People tend to invest their money in multiple financial institutions because depositing all the saved money in same investment platform may involve risk of losing the money and investing in different platform also gives them tax concessions.</a:t>
-            </a:r>
-          </a:p>
-          <a:p>
+              <a:t>People tend to invest their money in multiple financial </a:t>
+            </a:r>
+            <a:r>
+              <a:rPr lang="en-US" sz="2000" dirty="0" smtClean="0"/>
+              <a:t>institutions because, </a:t>
+            </a:r>
             <a:r>
               <a:rPr lang="en-US" sz="2000" dirty="0"/>
-              <a:t>People invest in FD’s </a:t>
+              <a:t>depositing all the saved money in same investment platform may involve risk of losing the money and investing in different platform also gives them tax concessions.</a:t>
             </a:r>
           </a:p>
           <a:p>
             <a:r>
               <a:rPr lang="en-US" sz="2000" dirty="0"/>
-              <a:t>Because of this it is difficult for the user to keep track of their deposits and investments.</a:t>
+              <a:t>People </a:t>
+            </a:r>
+            <a:r>
+              <a:rPr lang="en-US" sz="2000" dirty="0" smtClean="0"/>
+              <a:t>also have a lot of commitments like paying EMI’s, loan interests, premiums, school/college fees of children etc.</a:t>
+            </a:r>
+            <a:endParaRPr lang="en-US" sz="2000" dirty="0"/>
+          </a:p>
+          <a:p>
+            <a:r>
+              <a:rPr lang="en-US" sz="2000" dirty="0"/>
+              <a:t>Because of this it is </a:t>
+            </a:r>
+            <a:r>
+              <a:rPr lang="en-US" sz="2000" dirty="0" smtClean="0"/>
+              <a:t>difficult to </a:t>
+            </a:r>
+            <a:r>
+              <a:rPr lang="en-US" sz="2000" dirty="0"/>
+              <a:t>keep track of their </a:t>
+            </a:r>
+            <a:r>
+              <a:rPr lang="en-US" sz="2000" dirty="0" smtClean="0"/>
+              <a:t>income, expenses and </a:t>
+            </a:r>
+            <a:r>
+              <a:rPr lang="en-US" sz="2000" dirty="0"/>
+              <a:t>investments.</a:t>
             </a:r>
           </a:p>
           <a:p>
@@ -4217,7 +4326,7 @@
     </p:spTree>
     <p:extLst>
       <p:ext uri="{BB962C8B-B14F-4D97-AF65-F5344CB8AC3E}">
-        <p14:creationId xmlns:p14="http://schemas.microsoft.com/office/powerpoint/2010/main" val="2318894735"/>
+        <p14:creationId xmlns:p14="http://schemas.microsoft.com/office/powerpoint/2010/main" xmlns="" val="2318894735"/>
       </p:ext>
     </p:extLst>
   </p:cSld>
@@ -4249,7 +4358,7 @@
           <p:cNvPr id="2" name="Title 1">
             <a:extLst>
               <a:ext uri="{FF2B5EF4-FFF2-40B4-BE49-F238E27FC236}">
-                <a16:creationId xmlns:a16="http://schemas.microsoft.com/office/drawing/2014/main" id="{20F0E6FA-E175-49AC-8877-C73D889547AA}"/>
+                <a16:creationId xmlns:a16="http://schemas.microsoft.com/office/drawing/2014/main" xmlns="" id="{20F0E6FA-E175-49AC-8877-C73D889547AA}"/>
               </a:ext>
             </a:extLst>
           </p:cNvPr>
@@ -4266,8 +4375,8 @@
           <a:lstStyle/>
           <a:p>
             <a:r>
-              <a:rPr lang="en-US" dirty="0"/>
-              <a:t>Solution</a:t>
+              <a:rPr lang="en-US" dirty="0" smtClean="0"/>
+              <a:t>Advantages of proposed system:</a:t>
             </a:r>
             <a:endParaRPr lang="kn-IN" dirty="0"/>
           </a:p>
@@ -4278,7 +4387,7 @@
           <p:cNvPr id="3" name="Content Placeholder 2">
             <a:extLst>
               <a:ext uri="{FF2B5EF4-FFF2-40B4-BE49-F238E27FC236}">
-                <a16:creationId xmlns:a16="http://schemas.microsoft.com/office/drawing/2014/main" id="{A2827B00-533F-4BE7-B7F0-4053EE0BE287}"/>
+                <a16:creationId xmlns:a16="http://schemas.microsoft.com/office/drawing/2014/main" xmlns="" id="{A2827B00-533F-4BE7-B7F0-4053EE0BE287}"/>
               </a:ext>
             </a:extLst>
           </p:cNvPr>
@@ -4291,7 +4400,7 @@
         </p:nvSpPr>
         <p:spPr>
           <a:xfrm>
-            <a:off x="352592" y="2258341"/>
+            <a:off x="338737" y="2008959"/>
             <a:ext cx="11029615" cy="3634486"/>
           </a:xfrm>
         </p:spPr>
@@ -4302,26 +4411,68 @@
           <a:lstStyle/>
           <a:p>
             <a:r>
-              <a:rPr lang="en-US" sz="2400" dirty="0"/>
-              <a:t>Users can set periodic reminders based on their requirement.</a:t>
-            </a:r>
-          </a:p>
-          <a:p>
-            <a:r>
-              <a:rPr lang="en-US" sz="2400" dirty="0"/>
-              <a:t>They can also store images like bonds related to the reminder.</a:t>
-            </a:r>
-          </a:p>
-          <a:p>
-            <a:r>
-              <a:rPr lang="en-US" sz="2400" dirty="0"/>
-              <a:t>Users can calculate gross investment or profit amount for a particular time period (specified by users). </a:t>
-            </a:r>
-          </a:p>
-          <a:p>
-            <a:r>
-              <a:rPr lang="en-US" sz="2400" dirty="0"/>
-              <a:t>Users can set normal reminders by giving interval period as 1.</a:t>
+              <a:rPr lang="en-US" sz="2000" dirty="0" smtClean="0"/>
+              <a:t>Users </a:t>
+            </a:r>
+            <a:r>
+              <a:rPr lang="en-US" sz="2000" dirty="0"/>
+              <a:t>can set periodic reminders based on their requirement.</a:t>
+            </a:r>
+          </a:p>
+          <a:p>
+            <a:r>
+              <a:rPr lang="en-US" sz="2000" dirty="0"/>
+              <a:t>They can also store images like bonds related to </a:t>
+            </a:r>
+            <a:r>
+              <a:rPr lang="en-US" sz="2000"/>
+              <a:t>the </a:t>
+            </a:r>
+            <a:r>
+              <a:rPr lang="en-US" sz="2000" smtClean="0"/>
+              <a:t>reminder.</a:t>
+            </a:r>
+            <a:endParaRPr lang="en-US" sz="2000" dirty="0"/>
+          </a:p>
+          <a:p>
+            <a:r>
+              <a:rPr lang="en-US" sz="2000" dirty="0"/>
+              <a:t>Users can calculate </a:t>
+            </a:r>
+            <a:r>
+              <a:rPr lang="en-US" sz="2000" dirty="0" smtClean="0"/>
+              <a:t>their total income and expenditure over particular </a:t>
+            </a:r>
+            <a:r>
+              <a:rPr lang="en-US" sz="2000" dirty="0"/>
+              <a:t>time period </a:t>
+            </a:r>
+            <a:r>
+              <a:rPr lang="en-US" sz="2000" dirty="0" smtClean="0"/>
+              <a:t>specified </a:t>
+            </a:r>
+            <a:r>
+              <a:rPr lang="en-US" sz="2000" dirty="0"/>
+              <a:t>by </a:t>
+            </a:r>
+            <a:r>
+              <a:rPr lang="en-US" sz="2000" dirty="0" smtClean="0"/>
+              <a:t>them. By providing a current balance they can also find out the amount they would have after a certain interval of time like after a year or 10 years etc.</a:t>
+            </a:r>
+            <a:endParaRPr lang="en-US" sz="2000" dirty="0"/>
+          </a:p>
+          <a:p>
+            <a:r>
+              <a:rPr lang="en-US" sz="2000" dirty="0"/>
+              <a:t>Users can set </a:t>
+            </a:r>
+            <a:r>
+              <a:rPr lang="en-US" sz="2000" dirty="0" smtClean="0"/>
+              <a:t>one-time </a:t>
+            </a:r>
+            <a:r>
+              <a:rPr lang="en-US" sz="2000" dirty="0"/>
+              <a:t>reminders by giving interval period as 1.</a:t>
             </a:r>
           </a:p>
         </p:txBody>
@@ -4329,7 +4480,7 @@
     </p:spTree>
     <p:extLst>
       <p:ext uri="{BB962C8B-B14F-4D97-AF65-F5344CB8AC3E}">
-        <p14:creationId xmlns:p14="http://schemas.microsoft.com/office/powerpoint/2010/main" val="1522183498"/>
+        <p14:creationId xmlns:p14="http://schemas.microsoft.com/office/powerpoint/2010/main" xmlns="" val="1522183498"/>
       </p:ext>
     </p:extLst>
   </p:cSld>
@@ -4361,7 +4512,7 @@
           <p:cNvPr id="3" name="Content Placeholder 2">
             <a:extLst>
               <a:ext uri="{FF2B5EF4-FFF2-40B4-BE49-F238E27FC236}">
-                <a16:creationId xmlns:a16="http://schemas.microsoft.com/office/drawing/2014/main" id="{D3B18B3F-EE85-4ADF-B5B1-2E453F00C5B9}"/>
+                <a16:creationId xmlns:a16="http://schemas.microsoft.com/office/drawing/2014/main" xmlns="" id="{D3B18B3F-EE85-4ADF-B5B1-2E453F00C5B9}"/>
               </a:ext>
             </a:extLst>
           </p:cNvPr>
@@ -4372,45 +4523,58 @@
             <p:ph idx="1"/>
           </p:nvPr>
         </p:nvSpPr>
-        <p:spPr/>
+        <p:spPr>
+          <a:xfrm>
+            <a:off x="567338" y="1398755"/>
+            <a:ext cx="11029615" cy="3634486"/>
+          </a:xfrm>
+        </p:spPr>
         <p:txBody>
           <a:bodyPr/>
           <a:lstStyle/>
           <a:p>
             <a:r>
-              <a:rPr lang="en-US" dirty="0"/>
-              <a:t>incremental model.</a:t>
-            </a:r>
-          </a:p>
-          <a:p>
-            <a:r>
-              <a:rPr lang="en-US" dirty="0"/>
+              <a:rPr lang="en-US" sz="2000" dirty="0"/>
+              <a:t>I</a:t>
+            </a:r>
+            <a:r>
+              <a:rPr lang="en-US" sz="2000" dirty="0" smtClean="0"/>
+              <a:t>ncremental </a:t>
+            </a:r>
+            <a:r>
+              <a:rPr lang="en-US" sz="2000" dirty="0"/>
+              <a:t>model.</a:t>
+            </a:r>
+          </a:p>
+          <a:p>
+            <a:r>
+              <a:rPr lang="en-US" sz="2000" dirty="0"/>
               <a:t>Firebase </a:t>
             </a:r>
             <a:r>
-              <a:rPr lang="en-US" dirty="0" err="1"/>
-              <a:t>realtime</a:t>
-            </a:r>
-            <a:r>
-              <a:rPr lang="en-US" dirty="0"/>
-              <a:t> database.</a:t>
-            </a:r>
-          </a:p>
-          <a:p>
-            <a:r>
-              <a:rPr lang="en-US" dirty="0"/>
+              <a:rPr lang="en-US" sz="2000" dirty="0" smtClean="0"/>
+              <a:t>realtime </a:t>
+            </a:r>
+            <a:r>
+              <a:rPr lang="en-US" sz="2000" dirty="0"/>
+              <a:t>database.</a:t>
+            </a:r>
+          </a:p>
+          <a:p>
+            <a:r>
+              <a:rPr lang="en-US" sz="2000" dirty="0"/>
               <a:t>Client-Server architecture.</a:t>
             </a:r>
           </a:p>
           <a:p>
             <a:r>
-              <a:rPr lang="en-US" dirty="0"/>
+              <a:rPr lang="en-US" sz="2000" dirty="0"/>
               <a:t>Android Studio and JAVA.</a:t>
             </a:r>
           </a:p>
           <a:p>
             <a:r>
-              <a:rPr lang="en-US" dirty="0"/>
+              <a:rPr lang="en-US" sz="2000" dirty="0"/>
               <a:t>Object oriented model.</a:t>
             </a:r>
           </a:p>
@@ -4422,7 +4586,7 @@
     </p:spTree>
     <p:extLst>
       <p:ext uri="{BB962C8B-B14F-4D97-AF65-F5344CB8AC3E}">
-        <p14:creationId xmlns:p14="http://schemas.microsoft.com/office/powerpoint/2010/main" val="303119902"/>
+        <p14:creationId xmlns:p14="http://schemas.microsoft.com/office/powerpoint/2010/main" xmlns="" val="303119902"/>
       </p:ext>
     </p:extLst>
   </p:cSld>
@@ -4454,7 +4618,7 @@
           <p:cNvPr id="2" name="Title 1">
             <a:extLst>
               <a:ext uri="{FF2B5EF4-FFF2-40B4-BE49-F238E27FC236}">
-                <a16:creationId xmlns:a16="http://schemas.microsoft.com/office/drawing/2014/main" id="{641496CA-57DE-4A1A-B2CD-F9F85A50B64D}"/>
+                <a16:creationId xmlns:a16="http://schemas.microsoft.com/office/drawing/2014/main" xmlns="" id="{641496CA-57DE-4A1A-B2CD-F9F85A50B64D}"/>
               </a:ext>
             </a:extLst>
           </p:cNvPr>
@@ -4483,7 +4647,7 @@
           <p:cNvPr id="3" name="Content Placeholder 2">
             <a:extLst>
               <a:ext uri="{FF2B5EF4-FFF2-40B4-BE49-F238E27FC236}">
-                <a16:creationId xmlns:a16="http://schemas.microsoft.com/office/drawing/2014/main" id="{3DD7687F-299E-4AA0-92FA-B7C4DA4EC790}"/>
+                <a16:creationId xmlns:a16="http://schemas.microsoft.com/office/drawing/2014/main" xmlns="" id="{3DD7687F-299E-4AA0-92FA-B7C4DA4EC790}"/>
               </a:ext>
             </a:extLst>
           </p:cNvPr>
@@ -4494,19 +4658,41 @@
             <p:ph idx="1"/>
           </p:nvPr>
         </p:nvSpPr>
-        <p:spPr/>
-        <p:txBody>
-          <a:bodyPr/>
-          <a:lstStyle/>
-          <a:p>
-            <a:endParaRPr lang="kn-IN"/>
+        <p:spPr>
+          <a:xfrm>
+            <a:off x="608902" y="1994500"/>
+            <a:ext cx="11029615" cy="3634486"/>
+          </a:xfrm>
+        </p:spPr>
+        <p:txBody>
+          <a:bodyPr>
+            <a:normAutofit/>
+          </a:bodyPr>
+          <a:lstStyle/>
+          <a:p>
+            <a:r>
+              <a:rPr lang="en-US" sz="2000" dirty="0" smtClean="0"/>
+              <a:t>A search bar can be added in order to search through the reminders and also tags can be added to filter the reminders based on categories like FD, premium, income, expense.</a:t>
+            </a:r>
+          </a:p>
+          <a:p>
+            <a:r>
+              <a:rPr lang="en-US" sz="2000" dirty="0" smtClean="0"/>
+              <a:t>Using the bank balance provided by the user, they should be warned whenever the addition of a new commitment(reminder) results in a balance below their specified limit. The app should also suggest investment options when the balance exceeds a certain value.</a:t>
+            </a:r>
+          </a:p>
+          <a:p>
+            <a:r>
+              <a:rPr lang="en-US" sz="2000" dirty="0" smtClean="0"/>
+              <a:t>We could also create another app that can be used by financial institutions to advertise their investment plans to the users. The users should be able to view and select plans suitable to their requirements.</a:t>
+            </a:r>
           </a:p>
         </p:txBody>
       </p:sp>
     </p:spTree>
     <p:extLst>
       <p:ext uri="{BB962C8B-B14F-4D97-AF65-F5344CB8AC3E}">
-        <p14:creationId xmlns:p14="http://schemas.microsoft.com/office/powerpoint/2010/main" val="3896178327"/>
+        <p14:creationId xmlns:p14="http://schemas.microsoft.com/office/powerpoint/2010/main" xmlns="" val="3896178327"/>
       </p:ext>
     </p:extLst>
   </p:cSld>
@@ -4538,7 +4724,7 @@
           <p:cNvPr id="3" name="Content Placeholder 2">
             <a:extLst>
               <a:ext uri="{FF2B5EF4-FFF2-40B4-BE49-F238E27FC236}">
-                <a16:creationId xmlns:a16="http://schemas.microsoft.com/office/drawing/2014/main" id="{5D764D73-2D98-4DE7-AF70-FDAD98BF5067}"/>
+                <a16:creationId xmlns:a16="http://schemas.microsoft.com/office/drawing/2014/main" xmlns="" id="{5D764D73-2D98-4DE7-AF70-FDAD98BF5067}"/>
               </a:ext>
             </a:extLst>
           </p:cNvPr>
@@ -4575,7 +4761,7 @@
     </p:spTree>
     <p:extLst>
       <p:ext uri="{BB962C8B-B14F-4D97-AF65-F5344CB8AC3E}">
-        <p14:creationId xmlns:p14="http://schemas.microsoft.com/office/powerpoint/2010/main" val="2643689593"/>
+        <p14:creationId xmlns:p14="http://schemas.microsoft.com/office/powerpoint/2010/main" xmlns="" val="2643689593"/>
       </p:ext>
     </p:extLst>
   </p:cSld>
@@ -4628,7 +4814,7 @@
     </a:clrScheme>
     <a:fontScheme name="Dividend">
       <a:majorFont>
-        <a:latin typeface="Avenir Next LT Pro" panose="020B0502020104020203"/>
+        <a:latin typeface="Avenir Next LT Pro"/>
         <a:ea typeface=""/>
         <a:cs typeface=""/>
         <a:font script="Grek" typeface="Corbel"/>
@@ -4665,7 +4851,7 @@
         <a:font script="Geor" typeface="Sylfaen"/>
       </a:majorFont>
       <a:minorFont>
-        <a:latin typeface="Avenir Next LT Pro" panose="020B0502020104020203"/>
+        <a:latin typeface="Avenir Next LT Pro"/>
         <a:ea typeface=""/>
         <a:cs typeface=""/>
         <a:font script="Grek" typeface="Corbel"/>
@@ -4848,7 +5034,7 @@
   <a:extraClrSchemeLst/>
   <a:extLst>
     <a:ext uri="{05A4C25C-085E-4340-85A3-A5531E510DB2}">
-      <thm15:themeFamily xmlns:thm15="http://schemas.microsoft.com/office/thememl/2012/main" name="DividendVTI" id="{97558BDE-0B66-457C-BB6F-7B1B22DAA9B8}" vid="{F53508A3-AC60-448A-AF37-934D5F1A0D5E}"/>
+      <thm15:themeFamily xmlns:thm15="http://schemas.microsoft.com/office/thememl/2012/main" xmlns="" name="DividendVTI" id="{97558BDE-0B66-457C-BB6F-7B1B22DAA9B8}" vid="{F53508A3-AC60-448A-AF37-934D5F1A0D5E}"/>
     </a:ext>
   </a:extLst>
 </a:theme>

--- a/pt_ppt.pptx
+++ b/pt_ppt.pptx
@@ -4499,7 +4499,7 @@
           <a:bodyPr/>
           <a:lstStyle/>
           <a:p>
-            <a:endParaRPr lang="kn-IN"/>
+            <a:endParaRPr lang="kn-IN" dirty="0"/>
           </a:p>
         </p:txBody>
       </p:sp>
